--- a/Python/혼공파이썬/혼공파이썬_07_03.pptx
+++ b/Python/혼공파이썬/혼공파이썬_07_03.pptx
@@ -269,7 +269,7 @@
           </a:lstStyle>
           <a:p>
             <a:r>
-              <a:rPr lang="ko-KR" altLang="en-US" dirty="0" smtClean="0"/>
+              <a:rPr lang="ko-KR" altLang="en-US" dirty="0"/>
               <a:t>파이썬을 하기 전에 </a:t>
             </a:r>
             <a:endParaRPr lang="en-US" dirty="0"/>
@@ -318,7 +318,7 @@
           </a:lstStyle>
           <a:p>
             <a:r>
-              <a:rPr lang="en-US" altLang="ko-KR" b="1" dirty="0" smtClean="0">
+              <a:rPr lang="en-US" altLang="ko-KR" b="1" dirty="0">
                 <a:solidFill>
                   <a:schemeClr val="bg1"/>
                 </a:solidFill>
@@ -482,18 +482,17 @@
           <a:lstStyle/>
           <a:p>
             <a:r>
-              <a:rPr lang="ko-KR" altLang="en-US" sz="1050" b="0" dirty="0" smtClean="0"/>
+              <a:rPr lang="ko-KR" altLang="en-US" sz="1050" b="0" dirty="0"/>
               <a:t>혼자 공부하는 파이썬</a:t>
             </a:r>
             <a:r>
-              <a:rPr lang="en-US" altLang="ko-KR" sz="1050" b="0" dirty="0" smtClean="0"/>
+              <a:rPr lang="en-US" altLang="ko-KR" sz="1050" b="0" dirty="0"/>
               <a:t>_</a:t>
             </a:r>
             <a:r>
-              <a:rPr lang="ko-KR" altLang="en-US" sz="900" b="0" dirty="0" smtClean="0"/>
+              <a:rPr lang="ko-KR" altLang="en-US" sz="900" b="0" dirty="0"/>
               <a:t>윤인성 지음</a:t>
             </a:r>
-            <a:endParaRPr lang="ko-KR" altLang="en-US" sz="900" b="0" dirty="0"/>
           </a:p>
         </p:txBody>
       </p:sp>
@@ -507,13 +506,6 @@
   <p:clrMapOvr>
     <a:masterClrMapping/>
   </p:clrMapOvr>
-  <p:timing>
-    <p:tnLst>
-      <p:par>
-        <p:cTn id="1" dur="indefinite" restart="never" nodeType="tmRoot"/>
-      </p:par>
-    </p:tnLst>
-  </p:timing>
 </p:sldLayout>
 </file>
 
@@ -550,7 +542,7 @@
           <a:lstStyle/>
           <a:p>
             <a:r>
-              <a:rPr lang="ko-KR" altLang="en-US" smtClean="0"/>
+              <a:rPr lang="ko-KR" altLang="en-US"/>
               <a:t>마스터 제목 스타일 편집</a:t>
             </a:r>
             <a:endParaRPr lang="en-US" dirty="0"/>
@@ -574,35 +566,35 @@
           <a:p>
             <a:pPr lvl="0"/>
             <a:r>
-              <a:rPr lang="ko-KR" altLang="en-US" smtClean="0"/>
+              <a:rPr lang="ko-KR" altLang="en-US"/>
               <a:t>마스터 텍스트 스타일을 편집합니다</a:t>
             </a:r>
           </a:p>
           <a:p>
             <a:pPr lvl="1"/>
             <a:r>
-              <a:rPr lang="ko-KR" altLang="en-US" smtClean="0"/>
+              <a:rPr lang="ko-KR" altLang="en-US"/>
               <a:t>둘째 수준</a:t>
             </a:r>
           </a:p>
           <a:p>
             <a:pPr lvl="2"/>
             <a:r>
-              <a:rPr lang="ko-KR" altLang="en-US" smtClean="0"/>
+              <a:rPr lang="ko-KR" altLang="en-US"/>
               <a:t>셋째 수준</a:t>
             </a:r>
           </a:p>
           <a:p>
             <a:pPr lvl="3"/>
             <a:r>
-              <a:rPr lang="ko-KR" altLang="en-US" smtClean="0"/>
+              <a:rPr lang="ko-KR" altLang="en-US"/>
               <a:t>넷째 수준</a:t>
             </a:r>
           </a:p>
           <a:p>
             <a:pPr lvl="4"/>
             <a:r>
-              <a:rPr lang="ko-KR" altLang="en-US" smtClean="0"/>
+              <a:rPr lang="ko-KR" altLang="en-US"/>
               <a:t>다섯째 수준</a:t>
             </a:r>
             <a:endParaRPr lang="en-US" dirty="0"/>
@@ -626,7 +618,7 @@
           <a:p>
             <a:fld id="{0635B7AB-F867-486D-8C26-903C15EEB2BF}" type="datetimeFigureOut">
               <a:rPr lang="ko-KR" altLang="en-US" smtClean="0"/>
-              <a:t>2021-06-08</a:t>
+              <a:t>2021-07-19</a:t>
             </a:fld>
             <a:endParaRPr lang="ko-KR" altLang="en-US"/>
           </a:p>
@@ -725,7 +717,7 @@
           <a:lstStyle/>
           <a:p>
             <a:r>
-              <a:rPr lang="ko-KR" altLang="en-US" smtClean="0"/>
+              <a:rPr lang="ko-KR" altLang="en-US"/>
               <a:t>마스터 제목 스타일 편집</a:t>
             </a:r>
             <a:endParaRPr lang="en-US" dirty="0"/>
@@ -754,35 +746,35 @@
           <a:p>
             <a:pPr lvl="0"/>
             <a:r>
-              <a:rPr lang="ko-KR" altLang="en-US" smtClean="0"/>
+              <a:rPr lang="ko-KR" altLang="en-US"/>
               <a:t>마스터 텍스트 스타일을 편집합니다</a:t>
             </a:r>
           </a:p>
           <a:p>
             <a:pPr lvl="1"/>
             <a:r>
-              <a:rPr lang="ko-KR" altLang="en-US" smtClean="0"/>
+              <a:rPr lang="ko-KR" altLang="en-US"/>
               <a:t>둘째 수준</a:t>
             </a:r>
           </a:p>
           <a:p>
             <a:pPr lvl="2"/>
             <a:r>
-              <a:rPr lang="ko-KR" altLang="en-US" smtClean="0"/>
+              <a:rPr lang="ko-KR" altLang="en-US"/>
               <a:t>셋째 수준</a:t>
             </a:r>
           </a:p>
           <a:p>
             <a:pPr lvl="3"/>
             <a:r>
-              <a:rPr lang="ko-KR" altLang="en-US" smtClean="0"/>
+              <a:rPr lang="ko-KR" altLang="en-US"/>
               <a:t>넷째 수준</a:t>
             </a:r>
           </a:p>
           <a:p>
             <a:pPr lvl="4"/>
             <a:r>
-              <a:rPr lang="ko-KR" altLang="en-US" smtClean="0"/>
+              <a:rPr lang="ko-KR" altLang="en-US"/>
               <a:t>다섯째 수준</a:t>
             </a:r>
             <a:endParaRPr lang="en-US" dirty="0"/>
@@ -806,7 +798,7 @@
           <a:p>
             <a:fld id="{0635B7AB-F867-486D-8C26-903C15EEB2BF}" type="datetimeFigureOut">
               <a:rPr lang="ko-KR" altLang="en-US" smtClean="0"/>
-              <a:t>2021-06-08</a:t>
+              <a:t>2021-07-19</a:t>
             </a:fld>
             <a:endParaRPr lang="ko-KR" altLang="en-US"/>
           </a:p>
@@ -955,10 +947,9 @@
           </a:lstStyle>
           <a:p>
             <a:r>
-              <a:rPr lang="en-US" dirty="0" smtClean="0"/>
+              <a:rPr lang="en-US" dirty="0"/>
               <a:t>Thank You!</a:t>
             </a:r>
-            <a:endParaRPr lang="en-US" dirty="0"/>
           </a:p>
         </p:txBody>
       </p:sp>
@@ -1004,7 +995,7 @@
           </a:lstStyle>
           <a:p>
             <a:r>
-              <a:rPr lang="en-US" altLang="ko-KR" b="1" dirty="0" smtClean="0">
+              <a:rPr lang="en-US" altLang="ko-KR" b="1" dirty="0">
                 <a:solidFill>
                   <a:schemeClr val="bg1"/>
                 </a:solidFill>
@@ -1168,18 +1159,17 @@
           <a:lstStyle/>
           <a:p>
             <a:r>
-              <a:rPr lang="ko-KR" altLang="en-US" sz="1050" b="0" dirty="0" smtClean="0"/>
+              <a:rPr lang="ko-KR" altLang="en-US" sz="1050" b="0" dirty="0"/>
               <a:t>혼자 공부하는 파이썬</a:t>
             </a:r>
             <a:r>
-              <a:rPr lang="en-US" altLang="ko-KR" sz="1050" b="0" dirty="0" smtClean="0"/>
+              <a:rPr lang="en-US" altLang="ko-KR" sz="1050" b="0" dirty="0"/>
               <a:t>_</a:t>
             </a:r>
             <a:r>
-              <a:rPr lang="ko-KR" altLang="en-US" sz="900" b="0" dirty="0" smtClean="0"/>
+              <a:rPr lang="ko-KR" altLang="en-US" sz="900" b="0" dirty="0"/>
               <a:t>윤인성 지음</a:t>
             </a:r>
-            <a:endParaRPr lang="ko-KR" altLang="en-US" sz="900" b="0" dirty="0"/>
           </a:p>
         </p:txBody>
       </p:sp>
@@ -1193,13 +1183,6 @@
   <p:clrMapOvr>
     <a:masterClrMapping/>
   </p:clrMapOvr>
-  <p:timing>
-    <p:tnLst>
-      <p:par>
-        <p:cTn id="1" dur="indefinite" restart="never" nodeType="tmRoot"/>
-      </p:par>
-    </p:tnLst>
-  </p:timing>
 </p:sldLayout>
 </file>
 
@@ -1289,35 +1272,35 @@
           <a:p>
             <a:pPr lvl="0"/>
             <a:r>
-              <a:rPr lang="ko-KR" altLang="en-US" dirty="0" smtClean="0"/>
+              <a:rPr lang="ko-KR" altLang="en-US" dirty="0"/>
               <a:t>마스터 텍스트 스타일을 편집합니다</a:t>
             </a:r>
           </a:p>
           <a:p>
             <a:pPr lvl="1"/>
             <a:r>
-              <a:rPr lang="ko-KR" altLang="en-US" dirty="0" smtClean="0"/>
+              <a:rPr lang="ko-KR" altLang="en-US" dirty="0"/>
               <a:t>둘째 수준</a:t>
             </a:r>
           </a:p>
           <a:p>
             <a:pPr lvl="2"/>
             <a:r>
-              <a:rPr lang="ko-KR" altLang="en-US" dirty="0" smtClean="0"/>
+              <a:rPr lang="ko-KR" altLang="en-US" dirty="0"/>
               <a:t>셋째 수준</a:t>
             </a:r>
           </a:p>
           <a:p>
             <a:pPr lvl="3"/>
             <a:r>
-              <a:rPr lang="ko-KR" altLang="en-US" dirty="0" smtClean="0"/>
+              <a:rPr lang="ko-KR" altLang="en-US" dirty="0"/>
               <a:t>넷째 수준</a:t>
             </a:r>
           </a:p>
           <a:p>
             <a:pPr lvl="4"/>
             <a:r>
-              <a:rPr lang="ko-KR" altLang="en-US" dirty="0" smtClean="0"/>
+              <a:rPr lang="ko-KR" altLang="en-US" dirty="0"/>
               <a:t>다섯째 수준</a:t>
             </a:r>
             <a:endParaRPr lang="en-US" dirty="0"/>
@@ -1348,7 +1331,7 @@
           </a:lstStyle>
           <a:p>
             <a:r>
-              <a:rPr lang="en-US" altLang="ko-KR" dirty="0" smtClean="0"/>
+              <a:rPr lang="en-US" altLang="ko-KR" dirty="0"/>
               <a:t>Chapter 01</a:t>
             </a:r>
             <a:endParaRPr lang="ko-KR" altLang="en-US" dirty="0"/>
@@ -1375,10 +1358,9 @@
           </a:lstStyle>
           <a:p>
             <a:r>
-              <a:rPr lang="ko-KR" altLang="en-US" dirty="0" smtClean="0"/>
+              <a:rPr lang="ko-KR" altLang="en-US" dirty="0"/>
               <a:t>파이썬 시작하기</a:t>
             </a:r>
-            <a:endParaRPr lang="ko-KR" altLang="en-US" dirty="0"/>
           </a:p>
         </p:txBody>
       </p:sp>
@@ -1493,7 +1475,7 @@
           </a:lstStyle>
           <a:p>
             <a:r>
-              <a:rPr lang="ko-KR" altLang="en-US" dirty="0" smtClean="0"/>
+              <a:rPr lang="ko-KR" altLang="en-US" dirty="0"/>
               <a:t>마스터 제목 스타일 편집</a:t>
             </a:r>
             <a:endParaRPr lang="en-US" dirty="0"/>
@@ -1510,13 +1492,6 @@
   <p:clrMapOvr>
     <a:masterClrMapping/>
   </p:clrMapOvr>
-  <p:timing>
-    <p:tnLst>
-      <p:par>
-        <p:cTn id="1" dur="indefinite" restart="never" nodeType="tmRoot"/>
-      </p:par>
-    </p:tnLst>
-  </p:timing>
 </p:sldLayout>
 </file>
 
@@ -1562,7 +1537,7 @@
           </a:lstStyle>
           <a:p>
             <a:r>
-              <a:rPr lang="ko-KR" altLang="en-US" smtClean="0"/>
+              <a:rPr lang="ko-KR" altLang="en-US"/>
               <a:t>마스터 제목 스타일 편집</a:t>
             </a:r>
             <a:endParaRPr lang="en-US" dirty="0"/>
@@ -1680,7 +1655,7 @@
           <a:p>
             <a:pPr lvl="0"/>
             <a:r>
-              <a:rPr lang="ko-KR" altLang="en-US" smtClean="0"/>
+              <a:rPr lang="ko-KR" altLang="en-US"/>
               <a:t>마스터 텍스트 스타일을 편집합니다</a:t>
             </a:r>
           </a:p>
@@ -1703,7 +1678,7 @@
           <a:p>
             <a:fld id="{0635B7AB-F867-486D-8C26-903C15EEB2BF}" type="datetimeFigureOut">
               <a:rPr lang="ko-KR" altLang="en-US" smtClean="0"/>
-              <a:t>2021-06-08</a:t>
+              <a:t>2021-07-19</a:t>
             </a:fld>
             <a:endParaRPr lang="ko-KR" altLang="en-US"/>
           </a:p>
@@ -1797,7 +1772,7 @@
           <a:lstStyle/>
           <a:p>
             <a:r>
-              <a:rPr lang="ko-KR" altLang="en-US" smtClean="0"/>
+              <a:rPr lang="ko-KR" altLang="en-US"/>
               <a:t>마스터 제목 스타일 편집</a:t>
             </a:r>
             <a:endParaRPr lang="en-US" dirty="0"/>
@@ -1826,35 +1801,35 @@
           <a:p>
             <a:pPr lvl="0"/>
             <a:r>
-              <a:rPr lang="ko-KR" altLang="en-US" smtClean="0"/>
+              <a:rPr lang="ko-KR" altLang="en-US"/>
               <a:t>마스터 텍스트 스타일을 편집합니다</a:t>
             </a:r>
           </a:p>
           <a:p>
             <a:pPr lvl="1"/>
             <a:r>
-              <a:rPr lang="ko-KR" altLang="en-US" smtClean="0"/>
+              <a:rPr lang="ko-KR" altLang="en-US"/>
               <a:t>둘째 수준</a:t>
             </a:r>
           </a:p>
           <a:p>
             <a:pPr lvl="2"/>
             <a:r>
-              <a:rPr lang="ko-KR" altLang="en-US" smtClean="0"/>
+              <a:rPr lang="ko-KR" altLang="en-US"/>
               <a:t>셋째 수준</a:t>
             </a:r>
           </a:p>
           <a:p>
             <a:pPr lvl="3"/>
             <a:r>
-              <a:rPr lang="ko-KR" altLang="en-US" smtClean="0"/>
+              <a:rPr lang="ko-KR" altLang="en-US"/>
               <a:t>넷째 수준</a:t>
             </a:r>
           </a:p>
           <a:p>
             <a:pPr lvl="4"/>
             <a:r>
-              <a:rPr lang="ko-KR" altLang="en-US" smtClean="0"/>
+              <a:rPr lang="ko-KR" altLang="en-US"/>
               <a:t>다섯째 수준</a:t>
             </a:r>
             <a:endParaRPr lang="en-US" dirty="0"/>
@@ -1883,35 +1858,35 @@
           <a:p>
             <a:pPr lvl="0"/>
             <a:r>
-              <a:rPr lang="ko-KR" altLang="en-US" smtClean="0"/>
+              <a:rPr lang="ko-KR" altLang="en-US"/>
               <a:t>마스터 텍스트 스타일을 편집합니다</a:t>
             </a:r>
           </a:p>
           <a:p>
             <a:pPr lvl="1"/>
             <a:r>
-              <a:rPr lang="ko-KR" altLang="en-US" smtClean="0"/>
+              <a:rPr lang="ko-KR" altLang="en-US"/>
               <a:t>둘째 수준</a:t>
             </a:r>
           </a:p>
           <a:p>
             <a:pPr lvl="2"/>
             <a:r>
-              <a:rPr lang="ko-KR" altLang="en-US" smtClean="0"/>
+              <a:rPr lang="ko-KR" altLang="en-US"/>
               <a:t>셋째 수준</a:t>
             </a:r>
           </a:p>
           <a:p>
             <a:pPr lvl="3"/>
             <a:r>
-              <a:rPr lang="ko-KR" altLang="en-US" smtClean="0"/>
+              <a:rPr lang="ko-KR" altLang="en-US"/>
               <a:t>넷째 수준</a:t>
             </a:r>
           </a:p>
           <a:p>
             <a:pPr lvl="4"/>
             <a:r>
-              <a:rPr lang="ko-KR" altLang="en-US" smtClean="0"/>
+              <a:rPr lang="ko-KR" altLang="en-US"/>
               <a:t>다섯째 수준</a:t>
             </a:r>
             <a:endParaRPr lang="en-US" dirty="0"/>
@@ -1935,7 +1910,7 @@
           <a:p>
             <a:fld id="{0635B7AB-F867-486D-8C26-903C15EEB2BF}" type="datetimeFigureOut">
               <a:rPr lang="ko-KR" altLang="en-US" smtClean="0"/>
-              <a:t>2021-06-08</a:t>
+              <a:t>2021-07-19</a:t>
             </a:fld>
             <a:endParaRPr lang="ko-KR" altLang="en-US"/>
           </a:p>
@@ -2034,7 +2009,7 @@
           <a:lstStyle/>
           <a:p>
             <a:r>
-              <a:rPr lang="ko-KR" altLang="en-US" smtClean="0"/>
+              <a:rPr lang="ko-KR" altLang="en-US"/>
               <a:t>마스터 제목 스타일 편집</a:t>
             </a:r>
             <a:endParaRPr lang="en-US" dirty="0"/>
@@ -2100,7 +2075,7 @@
           <a:p>
             <a:pPr lvl="0"/>
             <a:r>
-              <a:rPr lang="ko-KR" altLang="en-US" smtClean="0"/>
+              <a:rPr lang="ko-KR" altLang="en-US"/>
               <a:t>마스터 텍스트 스타일을 편집합니다</a:t>
             </a:r>
           </a:p>
@@ -2128,35 +2103,35 @@
           <a:p>
             <a:pPr lvl="0"/>
             <a:r>
-              <a:rPr lang="ko-KR" altLang="en-US" smtClean="0"/>
+              <a:rPr lang="ko-KR" altLang="en-US"/>
               <a:t>마스터 텍스트 스타일을 편집합니다</a:t>
             </a:r>
           </a:p>
           <a:p>
             <a:pPr lvl="1"/>
             <a:r>
-              <a:rPr lang="ko-KR" altLang="en-US" smtClean="0"/>
+              <a:rPr lang="ko-KR" altLang="en-US"/>
               <a:t>둘째 수준</a:t>
             </a:r>
           </a:p>
           <a:p>
             <a:pPr lvl="2"/>
             <a:r>
-              <a:rPr lang="ko-KR" altLang="en-US" smtClean="0"/>
+              <a:rPr lang="ko-KR" altLang="en-US"/>
               <a:t>셋째 수준</a:t>
             </a:r>
           </a:p>
           <a:p>
             <a:pPr lvl="3"/>
             <a:r>
-              <a:rPr lang="ko-KR" altLang="en-US" smtClean="0"/>
+              <a:rPr lang="ko-KR" altLang="en-US"/>
               <a:t>넷째 수준</a:t>
             </a:r>
           </a:p>
           <a:p>
             <a:pPr lvl="4"/>
             <a:r>
-              <a:rPr lang="ko-KR" altLang="en-US" smtClean="0"/>
+              <a:rPr lang="ko-KR" altLang="en-US"/>
               <a:t>다섯째 수준</a:t>
             </a:r>
             <a:endParaRPr lang="en-US" dirty="0"/>
@@ -2222,7 +2197,7 @@
           <a:p>
             <a:pPr lvl="0"/>
             <a:r>
-              <a:rPr lang="ko-KR" altLang="en-US" smtClean="0"/>
+              <a:rPr lang="ko-KR" altLang="en-US"/>
               <a:t>마스터 텍스트 스타일을 편집합니다</a:t>
             </a:r>
           </a:p>
@@ -2250,35 +2225,35 @@
           <a:p>
             <a:pPr lvl="0"/>
             <a:r>
-              <a:rPr lang="ko-KR" altLang="en-US" smtClean="0"/>
+              <a:rPr lang="ko-KR" altLang="en-US"/>
               <a:t>마스터 텍스트 스타일을 편집합니다</a:t>
             </a:r>
           </a:p>
           <a:p>
             <a:pPr lvl="1"/>
             <a:r>
-              <a:rPr lang="ko-KR" altLang="en-US" smtClean="0"/>
+              <a:rPr lang="ko-KR" altLang="en-US"/>
               <a:t>둘째 수준</a:t>
             </a:r>
           </a:p>
           <a:p>
             <a:pPr lvl="2"/>
             <a:r>
-              <a:rPr lang="ko-KR" altLang="en-US" smtClean="0"/>
+              <a:rPr lang="ko-KR" altLang="en-US"/>
               <a:t>셋째 수준</a:t>
             </a:r>
           </a:p>
           <a:p>
             <a:pPr lvl="3"/>
             <a:r>
-              <a:rPr lang="ko-KR" altLang="en-US" smtClean="0"/>
+              <a:rPr lang="ko-KR" altLang="en-US"/>
               <a:t>넷째 수준</a:t>
             </a:r>
           </a:p>
           <a:p>
             <a:pPr lvl="4"/>
             <a:r>
-              <a:rPr lang="ko-KR" altLang="en-US" smtClean="0"/>
+              <a:rPr lang="ko-KR" altLang="en-US"/>
               <a:t>다섯째 수준</a:t>
             </a:r>
             <a:endParaRPr lang="en-US" dirty="0"/>
@@ -2302,7 +2277,7 @@
           <a:p>
             <a:fld id="{0635B7AB-F867-486D-8C26-903C15EEB2BF}" type="datetimeFigureOut">
               <a:rPr lang="ko-KR" altLang="en-US" smtClean="0"/>
-              <a:t>2021-06-08</a:t>
+              <a:t>2021-07-19</a:t>
             </a:fld>
             <a:endParaRPr lang="ko-KR" altLang="en-US"/>
           </a:p>
@@ -2396,7 +2371,7 @@
           <a:lstStyle/>
           <a:p>
             <a:r>
-              <a:rPr lang="ko-KR" altLang="en-US" smtClean="0"/>
+              <a:rPr lang="ko-KR" altLang="en-US"/>
               <a:t>마스터 제목 스타일 편집</a:t>
             </a:r>
             <a:endParaRPr lang="en-US" dirty="0"/>
@@ -2420,7 +2395,7 @@
           <a:p>
             <a:fld id="{0635B7AB-F867-486D-8C26-903C15EEB2BF}" type="datetimeFigureOut">
               <a:rPr lang="ko-KR" altLang="en-US" smtClean="0"/>
-              <a:t>2021-06-08</a:t>
+              <a:t>2021-07-19</a:t>
             </a:fld>
             <a:endParaRPr lang="ko-KR" altLang="en-US"/>
           </a:p>
@@ -2515,7 +2490,7 @@
           <a:p>
             <a:fld id="{0635B7AB-F867-486D-8C26-903C15EEB2BF}" type="datetimeFigureOut">
               <a:rPr lang="ko-KR" altLang="en-US" smtClean="0"/>
-              <a:t>2021-06-08</a:t>
+              <a:t>2021-07-19</a:t>
             </a:fld>
             <a:endParaRPr lang="ko-KR" altLang="en-US"/>
           </a:p>
@@ -2618,7 +2593,7 @@
           </a:lstStyle>
           <a:p>
             <a:r>
-              <a:rPr lang="ko-KR" altLang="en-US" smtClean="0"/>
+              <a:rPr lang="ko-KR" altLang="en-US"/>
               <a:t>마스터 제목 스타일 편집</a:t>
             </a:r>
             <a:endParaRPr lang="en-US" dirty="0"/>
@@ -2675,35 +2650,35 @@
           <a:p>
             <a:pPr lvl="0"/>
             <a:r>
-              <a:rPr lang="ko-KR" altLang="en-US" smtClean="0"/>
+              <a:rPr lang="ko-KR" altLang="en-US"/>
               <a:t>마스터 텍스트 스타일을 편집합니다</a:t>
             </a:r>
           </a:p>
           <a:p>
             <a:pPr lvl="1"/>
             <a:r>
-              <a:rPr lang="ko-KR" altLang="en-US" smtClean="0"/>
+              <a:rPr lang="ko-KR" altLang="en-US"/>
               <a:t>둘째 수준</a:t>
             </a:r>
           </a:p>
           <a:p>
             <a:pPr lvl="2"/>
             <a:r>
-              <a:rPr lang="ko-KR" altLang="en-US" smtClean="0"/>
+              <a:rPr lang="ko-KR" altLang="en-US"/>
               <a:t>셋째 수준</a:t>
             </a:r>
           </a:p>
           <a:p>
             <a:pPr lvl="3"/>
             <a:r>
-              <a:rPr lang="ko-KR" altLang="en-US" smtClean="0"/>
+              <a:rPr lang="ko-KR" altLang="en-US"/>
               <a:t>넷째 수준</a:t>
             </a:r>
           </a:p>
           <a:p>
             <a:pPr lvl="4"/>
             <a:r>
-              <a:rPr lang="ko-KR" altLang="en-US" smtClean="0"/>
+              <a:rPr lang="ko-KR" altLang="en-US"/>
               <a:t>다섯째 수준</a:t>
             </a:r>
             <a:endParaRPr lang="en-US" dirty="0"/>
@@ -2769,7 +2744,7 @@
           <a:p>
             <a:pPr lvl="0"/>
             <a:r>
-              <a:rPr lang="ko-KR" altLang="en-US" smtClean="0"/>
+              <a:rPr lang="ko-KR" altLang="en-US"/>
               <a:t>마스터 텍스트 스타일을 편집합니다</a:t>
             </a:r>
           </a:p>
@@ -2792,7 +2767,7 @@
           <a:p>
             <a:fld id="{0635B7AB-F867-486D-8C26-903C15EEB2BF}" type="datetimeFigureOut">
               <a:rPr lang="ko-KR" altLang="en-US" smtClean="0"/>
-              <a:t>2021-06-08</a:t>
+              <a:t>2021-07-19</a:t>
             </a:fld>
             <a:endParaRPr lang="ko-KR" altLang="en-US"/>
           </a:p>
@@ -2895,7 +2870,7 @@
           </a:lstStyle>
           <a:p>
             <a:r>
-              <a:rPr lang="ko-KR" altLang="en-US" smtClean="0"/>
+              <a:rPr lang="ko-KR" altLang="en-US"/>
               <a:t>마스터 제목 스타일 편집</a:t>
             </a:r>
             <a:endParaRPr lang="en-US" dirty="0"/>
@@ -2960,7 +2935,7 @@
           </a:lstStyle>
           <a:p>
             <a:r>
-              <a:rPr lang="ko-KR" altLang="en-US" smtClean="0"/>
+              <a:rPr lang="ko-KR" altLang="en-US"/>
               <a:t>그림을 추가하려면 아이콘을 클릭하십시오</a:t>
             </a:r>
             <a:endParaRPr lang="en-US" dirty="0"/>
@@ -3026,7 +3001,7 @@
           <a:p>
             <a:pPr lvl="0"/>
             <a:r>
-              <a:rPr lang="ko-KR" altLang="en-US" smtClean="0"/>
+              <a:rPr lang="ko-KR" altLang="en-US"/>
               <a:t>마스터 텍스트 스타일을 편집합니다</a:t>
             </a:r>
           </a:p>
@@ -3049,7 +3024,7 @@
           <a:p>
             <a:fld id="{0635B7AB-F867-486D-8C26-903C15EEB2BF}" type="datetimeFigureOut">
               <a:rPr lang="ko-KR" altLang="en-US" smtClean="0"/>
-              <a:t>2021-06-08</a:t>
+              <a:t>2021-07-19</a:t>
             </a:fld>
             <a:endParaRPr lang="ko-KR" altLang="en-US"/>
           </a:p>
@@ -3158,7 +3133,7 @@
           <a:lstStyle/>
           <a:p>
             <a:r>
-              <a:rPr lang="ko-KR" altLang="en-US" smtClean="0"/>
+              <a:rPr lang="ko-KR" altLang="en-US"/>
               <a:t>마스터 제목 스타일 편집</a:t>
             </a:r>
             <a:endParaRPr lang="en-US" dirty="0"/>
@@ -3192,35 +3167,35 @@
           <a:p>
             <a:pPr lvl="0"/>
             <a:r>
-              <a:rPr lang="ko-KR" altLang="en-US" smtClean="0"/>
+              <a:rPr lang="ko-KR" altLang="en-US"/>
               <a:t>마스터 텍스트 스타일을 편집합니다</a:t>
             </a:r>
           </a:p>
           <a:p>
             <a:pPr lvl="1"/>
             <a:r>
-              <a:rPr lang="ko-KR" altLang="en-US" smtClean="0"/>
+              <a:rPr lang="ko-KR" altLang="en-US"/>
               <a:t>둘째 수준</a:t>
             </a:r>
           </a:p>
           <a:p>
             <a:pPr lvl="2"/>
             <a:r>
-              <a:rPr lang="ko-KR" altLang="en-US" smtClean="0"/>
+              <a:rPr lang="ko-KR" altLang="en-US"/>
               <a:t>셋째 수준</a:t>
             </a:r>
           </a:p>
           <a:p>
             <a:pPr lvl="3"/>
             <a:r>
-              <a:rPr lang="ko-KR" altLang="en-US" smtClean="0"/>
+              <a:rPr lang="ko-KR" altLang="en-US"/>
               <a:t>넷째 수준</a:t>
             </a:r>
           </a:p>
           <a:p>
             <a:pPr lvl="4"/>
             <a:r>
-              <a:rPr lang="ko-KR" altLang="en-US" smtClean="0"/>
+              <a:rPr lang="ko-KR" altLang="en-US"/>
               <a:t>다섯째 수준</a:t>
             </a:r>
             <a:endParaRPr lang="en-US" dirty="0"/>
@@ -3259,10 +3234,10 @@
           </a:lstStyle>
           <a:p>
             <a:r>
-              <a:rPr lang="en-US" altLang="ko-KR" dirty="0" smtClean="0"/>
+              <a:rPr lang="en-US" altLang="ko-KR" dirty="0"/>
               <a:t>Chapter 01</a:t>
             </a:r>
-            <a:endParaRPr lang="ko-KR" altLang="en-US" dirty="0" smtClean="0"/>
+            <a:endParaRPr lang="ko-KR" altLang="en-US" dirty="0"/>
           </a:p>
         </p:txBody>
       </p:sp>
@@ -3300,7 +3275,7 @@
           </a:lstStyle>
           <a:p>
             <a:r>
-              <a:rPr lang="en-US" altLang="ko-KR" dirty="0" smtClean="0"/>
+              <a:rPr lang="en-US" altLang="ko-KR" dirty="0"/>
               <a:t>3454354354</a:t>
             </a:r>
             <a:endParaRPr lang="ko-KR" altLang="en-US" dirty="0"/>
@@ -3370,13 +3345,6 @@
     <p:sldLayoutId id="2147483671" r:id="rId11"/>
     <p:sldLayoutId id="2147483672" r:id="rId12"/>
   </p:sldLayoutIdLst>
-  <p:timing>
-    <p:tnLst>
-      <p:par>
-        <p:cTn id="1" dur="indefinite" restart="never" nodeType="tmRoot"/>
-      </p:par>
-    </p:tnLst>
-  </p:timing>
   <p:txStyles>
     <p:titleStyle>
       <a:lvl1pPr algn="l" defTabSz="914400" rtl="0" eaLnBrk="1" latinLnBrk="1" hangingPunct="1">
@@ -3700,12 +3668,8 @@
           <a:lstStyle/>
           <a:p>
             <a:r>
-              <a:rPr lang="ko-KR" altLang="en-US" sz="2800" b="1" dirty="0" smtClean="0"/>
-              <a:t>모듈 만들</a:t>
-            </a:r>
-            <a:r>
               <a:rPr lang="ko-KR" altLang="en-US" sz="2800" b="1" dirty="0"/>
-              <a:t>기</a:t>
+              <a:t>모듈 만들기</a:t>
             </a:r>
           </a:p>
         </p:txBody>
@@ -3720,13 +3684,6 @@
   <p:clrMapOvr>
     <a:masterClrMapping/>
   </p:clrMapOvr>
-  <p:timing>
-    <p:tnLst>
-      <p:par>
-        <p:cTn id="1" dur="indefinite" restart="never" nodeType="tmRoot"/>
-      </p:par>
-    </p:tnLst>
-  </p:timing>
 </p:sld>
 </file>
 
@@ -3768,14 +3725,14 @@
               </a:lnSpc>
             </a:pPr>
             <a:r>
-              <a:rPr lang="en-US" altLang="ko-KR" dirty="0" smtClean="0"/>
+              <a:rPr lang="en-US" altLang="ko-KR" dirty="0"/>
               <a:t>__name__ </a:t>
             </a:r>
             <a:r>
-              <a:rPr lang="ko-KR" altLang="en-US" dirty="0" smtClean="0"/>
+              <a:rPr lang="ko-KR" altLang="en-US" dirty="0"/>
               <a:t>활용하기</a:t>
             </a:r>
-            <a:endParaRPr lang="en-US" altLang="ko-KR" dirty="0" smtClean="0"/>
+            <a:endParaRPr lang="en-US" altLang="ko-KR" dirty="0"/>
           </a:p>
           <a:p>
             <a:pPr lvl="1">
@@ -3784,35 +3741,35 @@
               </a:lnSpc>
             </a:pPr>
             <a:r>
-              <a:rPr lang="ko-KR" altLang="en-US" dirty="0" err="1" smtClean="0"/>
+              <a:rPr lang="ko-KR" altLang="en-US" dirty="0" err="1"/>
               <a:t>엔트리</a:t>
             </a:r>
             <a:r>
-              <a:rPr lang="ko-KR" altLang="en-US" dirty="0" smtClean="0"/>
+              <a:rPr lang="ko-KR" altLang="en-US" dirty="0"/>
               <a:t> 포인트 파일 내부에서 </a:t>
             </a:r>
             <a:r>
-              <a:rPr lang="en-US" altLang="ko-KR" dirty="0" smtClean="0"/>
+              <a:rPr lang="en-US" altLang="ko-KR" dirty="0"/>
               <a:t>__name__</a:t>
             </a:r>
             <a:r>
-              <a:rPr lang="ko-KR" altLang="en-US" dirty="0" smtClean="0"/>
+              <a:rPr lang="ko-KR" altLang="en-US" dirty="0"/>
               <a:t>이 </a:t>
             </a:r>
             <a:r>
-              <a:rPr lang="en-US" altLang="ko-KR" dirty="0" smtClean="0"/>
+              <a:rPr lang="en-US" altLang="ko-KR" dirty="0"/>
               <a:t>“__main__” </a:t>
             </a:r>
             <a:r>
-              <a:rPr lang="ko-KR" altLang="en-US" dirty="0" smtClean="0"/>
+              <a:rPr lang="ko-KR" altLang="en-US" dirty="0"/>
               <a:t>값을 가짐을 활용하여 현재 파일이 모듈로 실행되는지 </a:t>
             </a:r>
             <a:r>
-              <a:rPr lang="ko-KR" altLang="en-US" dirty="0" err="1" smtClean="0"/>
+              <a:rPr lang="ko-KR" altLang="en-US" dirty="0" err="1"/>
               <a:t>엔트리</a:t>
             </a:r>
             <a:r>
-              <a:rPr lang="ko-KR" altLang="en-US" dirty="0" smtClean="0"/>
+              <a:rPr lang="ko-KR" altLang="en-US" dirty="0"/>
               <a:t> 포인트로 실행되는지 확인</a:t>
             </a:r>
             <a:endParaRPr lang="en-US" altLang="ko-KR" dirty="0"/>
@@ -3824,19 +3781,19 @@
               </a:lnSpc>
             </a:pPr>
             <a:r>
-              <a:rPr lang="ko-KR" altLang="en-US" dirty="0" smtClean="0"/>
+              <a:rPr lang="ko-KR" altLang="en-US" dirty="0"/>
               <a:t>예시 </a:t>
             </a:r>
             <a:r>
-              <a:rPr lang="en-US" altLang="ko-KR" dirty="0" smtClean="0"/>
+              <a:rPr lang="en-US" altLang="ko-KR" dirty="0"/>
               <a:t>– test_module.py  (</a:t>
             </a:r>
             <a:r>
-              <a:rPr lang="ko-KR" altLang="en-US" dirty="0" smtClean="0"/>
+              <a:rPr lang="ko-KR" altLang="en-US" dirty="0"/>
               <a:t>모듈 활용하기</a:t>
             </a:r>
             <a:r>
-              <a:rPr lang="en-US" altLang="ko-KR" dirty="0" smtClean="0"/>
+              <a:rPr lang="en-US" altLang="ko-KR" dirty="0"/>
               <a:t>)</a:t>
             </a:r>
             <a:endParaRPr lang="ko-KR" altLang="en-US" dirty="0"/>
@@ -4070,13 +4027,6 @@
   <p:clrMapOvr>
     <a:masterClrMapping/>
   </p:clrMapOvr>
-  <p:timing>
-    <p:tnLst>
-      <p:par>
-        <p:cTn id="1" dur="indefinite" restart="never" nodeType="tmRoot"/>
-      </p:par>
-    </p:tnLst>
-  </p:timing>
 </p:sld>
 </file>
 
@@ -4380,13 +4330,6 @@
   <p:clrMapOvr>
     <a:masterClrMapping/>
   </p:clrMapOvr>
-  <p:timing>
-    <p:tnLst>
-      <p:par>
-        <p:cTn id="1" dur="indefinite" restart="never" nodeType="tmRoot"/>
-      </p:par>
-    </p:tnLst>
-  </p:timing>
 </p:sld>
 </file>
 
@@ -4428,7 +4371,7 @@
           <a:lstStyle/>
           <a:p>
             <a:pPr lvl="2"/>
-            <a:endParaRPr lang="en-US" altLang="ko-KR" dirty="0" smtClean="0"/>
+            <a:endParaRPr lang="en-US" altLang="ko-KR" dirty="0"/>
           </a:p>
           <a:p>
             <a:pPr lvl="2"/>
@@ -4436,7 +4379,7 @@
           </a:p>
           <a:p>
             <a:pPr lvl="2"/>
-            <a:endParaRPr lang="en-US" altLang="ko-KR" dirty="0" smtClean="0"/>
+            <a:endParaRPr lang="en-US" altLang="ko-KR" dirty="0"/>
           </a:p>
           <a:p>
             <a:pPr lvl="2"/>
@@ -4444,51 +4387,11 @@
           </a:p>
           <a:p>
             <a:pPr lvl="2"/>
-            <a:endParaRPr lang="en-US" altLang="ko-KR" dirty="0" smtClean="0"/>
+            <a:endParaRPr lang="en-US" altLang="ko-KR" dirty="0"/>
           </a:p>
           <a:p>
             <a:pPr lvl="2"/>
             <a:endParaRPr lang="en-US" altLang="ko-KR" dirty="0"/>
-          </a:p>
-          <a:p>
-            <a:pPr lvl="2">
-              <a:lnSpc>
-                <a:spcPct val="150000"/>
-              </a:lnSpc>
-            </a:pPr>
-            <a:endParaRPr lang="en-US" altLang="ko-KR" dirty="0" smtClean="0"/>
-          </a:p>
-          <a:p>
-            <a:pPr lvl="2">
-              <a:lnSpc>
-                <a:spcPct val="150000"/>
-              </a:lnSpc>
-            </a:pPr>
-            <a:r>
-              <a:rPr lang="ko-KR" altLang="en-US" dirty="0" smtClean="0"/>
-              <a:t>현재 </a:t>
-            </a:r>
-            <a:r>
-              <a:rPr lang="en-US" altLang="ko-KR" dirty="0" smtClean="0"/>
-              <a:t>test_module.py </a:t>
-            </a:r>
-            <a:r>
-              <a:rPr lang="ko-KR" altLang="en-US" dirty="0" smtClean="0"/>
-              <a:t>파일에는 동작 설명을 위해 추가한 활용 예시 부분 존재</a:t>
-            </a:r>
-            <a:endParaRPr lang="en-US" altLang="ko-KR" dirty="0" smtClean="0"/>
-          </a:p>
-          <a:p>
-            <a:pPr lvl="2">
-              <a:lnSpc>
-                <a:spcPct val="150000"/>
-              </a:lnSpc>
-            </a:pPr>
-            <a:r>
-              <a:rPr lang="ko-KR" altLang="en-US" dirty="0" smtClean="0"/>
-              <a:t>모듈로 사용하고 있는데 내부에서 출력 발생하여 문제</a:t>
-            </a:r>
-            <a:endParaRPr lang="en-US" altLang="ko-KR" dirty="0" smtClean="0"/>
           </a:p>
           <a:p>
             <a:pPr lvl="2">
@@ -4505,18 +4408,18 @@
               </a:lnSpc>
             </a:pPr>
             <a:r>
-              <a:rPr lang="ko-KR" altLang="en-US" dirty="0" smtClean="0"/>
-              <a:t>현재 파일이 </a:t>
-            </a:r>
-            <a:r>
-              <a:rPr lang="ko-KR" altLang="en-US" dirty="0" err="1" smtClean="0"/>
-              <a:t>엔트리</a:t>
-            </a:r>
-            <a:r>
-              <a:rPr lang="ko-KR" altLang="en-US" dirty="0" smtClean="0"/>
-              <a:t> 포인트인지 구분하는 코드 활용</a:t>
-            </a:r>
-            <a:endParaRPr lang="en-US" altLang="ko-KR" dirty="0" smtClean="0"/>
+              <a:rPr lang="ko-KR" altLang="en-US" dirty="0"/>
+              <a:t>현재 </a:t>
+            </a:r>
+            <a:r>
+              <a:rPr lang="en-US" altLang="ko-KR" dirty="0"/>
+              <a:t>test_module.py </a:t>
+            </a:r>
+            <a:r>
+              <a:rPr lang="ko-KR" altLang="en-US" dirty="0"/>
+              <a:t>파일에는 동작 설명을 위해 추가한 활용 예시 부분 존재</a:t>
+            </a:r>
+            <a:endParaRPr lang="en-US" altLang="ko-KR" dirty="0"/>
           </a:p>
           <a:p>
             <a:pPr lvl="2">
@@ -4525,30 +4428,69 @@
               </a:lnSpc>
             </a:pPr>
             <a:r>
-              <a:rPr lang="ko-KR" altLang="en-US" dirty="0" err="1" smtClean="0"/>
+              <a:rPr lang="ko-KR" altLang="en-US" dirty="0"/>
+              <a:t>모듈로 사용하고 있는데 내부에서 출력 발생하여 문제</a:t>
+            </a:r>
+            <a:endParaRPr lang="en-US" altLang="ko-KR" dirty="0"/>
+          </a:p>
+          <a:p>
+            <a:pPr lvl="2">
+              <a:lnSpc>
+                <a:spcPct val="150000"/>
+              </a:lnSpc>
+            </a:pPr>
+            <a:endParaRPr lang="en-US" altLang="ko-KR" dirty="0"/>
+          </a:p>
+          <a:p>
+            <a:pPr lvl="2">
+              <a:lnSpc>
+                <a:spcPct val="150000"/>
+              </a:lnSpc>
+            </a:pPr>
+            <a:r>
+              <a:rPr lang="ko-KR" altLang="en-US" dirty="0"/>
+              <a:t>현재 파일이 </a:t>
+            </a:r>
+            <a:r>
+              <a:rPr lang="ko-KR" altLang="en-US" dirty="0" err="1"/>
+              <a:t>엔트리</a:t>
+            </a:r>
+            <a:r>
+              <a:rPr lang="ko-KR" altLang="en-US" dirty="0"/>
+              <a:t> 포인트인지 구분하는 코드 활용</a:t>
+            </a:r>
+            <a:endParaRPr lang="en-US" altLang="ko-KR" dirty="0"/>
+          </a:p>
+          <a:p>
+            <a:pPr lvl="2">
+              <a:lnSpc>
+                <a:spcPct val="150000"/>
+              </a:lnSpc>
+            </a:pPr>
+            <a:r>
+              <a:rPr lang="ko-KR" altLang="en-US" dirty="0" err="1"/>
               <a:t>조건문으로</a:t>
             </a:r>
             <a:r>
-              <a:rPr lang="ko-KR" altLang="en-US" dirty="0" smtClean="0"/>
+              <a:rPr lang="ko-KR" altLang="en-US" dirty="0"/>
               <a:t> </a:t>
             </a:r>
             <a:r>
-              <a:rPr lang="en-US" altLang="ko-KR" dirty="0" smtClean="0"/>
+              <a:rPr lang="en-US" altLang="ko-KR" dirty="0"/>
               <a:t>__name__</a:t>
             </a:r>
             <a:r>
-              <a:rPr lang="ko-KR" altLang="en-US" dirty="0" smtClean="0"/>
+              <a:rPr lang="ko-KR" altLang="en-US" dirty="0"/>
               <a:t>이 </a:t>
             </a:r>
             <a:r>
-              <a:rPr lang="en-US" altLang="ko-KR" dirty="0" smtClean="0"/>
+              <a:rPr lang="en-US" altLang="ko-KR" dirty="0"/>
               <a:t>“__main__”</a:t>
             </a:r>
             <a:r>
-              <a:rPr lang="ko-KR" altLang="en-US" dirty="0" smtClean="0"/>
+              <a:rPr lang="ko-KR" altLang="en-US" dirty="0"/>
               <a:t>인지 확인</a:t>
             </a:r>
-            <a:endParaRPr lang="ko-KR" altLang="en-US" dirty="0"/>
           </a:p>
         </p:txBody>
       </p:sp>
@@ -4639,13 +4581,6 @@
   <p:clrMapOvr>
     <a:masterClrMapping/>
   </p:clrMapOvr>
-  <p:timing>
-    <p:tnLst>
-      <p:par>
-        <p:cTn id="1" dur="indefinite" restart="never" nodeType="tmRoot"/>
-      </p:par>
-    </p:tnLst>
-  </p:timing>
 </p:sld>
 </file>
 
@@ -4949,13 +4884,6 @@
   <p:clrMapOvr>
     <a:masterClrMapping/>
   </p:clrMapOvr>
-  <p:timing>
-    <p:tnLst>
-      <p:par>
-        <p:cTn id="1" dur="indefinite" restart="never" nodeType="tmRoot"/>
-      </p:par>
-    </p:tnLst>
-  </p:timing>
 </p:sld>
 </file>
 
@@ -5119,13 +5047,6 @@
   <p:clrMapOvr>
     <a:masterClrMapping/>
   </p:clrMapOvr>
-  <p:timing>
-    <p:tnLst>
-      <p:par>
-        <p:cTn id="1" dur="indefinite" restart="never" nodeType="tmRoot"/>
-      </p:par>
-    </p:tnLst>
-  </p:timing>
 </p:sld>
 </file>
 
@@ -5167,7 +5088,7 @@
               </a:lnSpc>
             </a:pPr>
             <a:r>
-              <a:rPr lang="ko-KR" altLang="en-US" dirty="0" smtClean="0">
+              <a:rPr lang="ko-KR" altLang="en-US" dirty="0">
                 <a:solidFill>
                   <a:srgbClr val="C00000"/>
                 </a:solidFill>
@@ -5175,11 +5096,11 @@
               <a:t>모듈</a:t>
             </a:r>
             <a:r>
-              <a:rPr lang="ko-KR" altLang="en-US" dirty="0" smtClean="0"/>
+              <a:rPr lang="ko-KR" altLang="en-US" dirty="0"/>
               <a:t> </a:t>
             </a:r>
             <a:r>
-              <a:rPr lang="en-US" altLang="ko-KR" dirty="0" smtClean="0">
+              <a:rPr lang="en-US" altLang="ko-KR" dirty="0">
                 <a:solidFill>
                   <a:schemeClr val="bg1">
                     <a:lumMod val="50000"/>
@@ -5196,31 +5117,15 @@
               </a:lnSpc>
             </a:pPr>
             <a:r>
-              <a:rPr lang="ko-KR" altLang="en-US" dirty="0" smtClean="0">
+              <a:rPr lang="ko-KR" altLang="en-US" dirty="0">
                 <a:solidFill>
                   <a:srgbClr val="C00000"/>
                 </a:solidFill>
               </a:rPr>
-              <a:t>패키</a:t>
-            </a:r>
-            <a:r>
-              <a:rPr lang="ko-KR" altLang="en-US" dirty="0">
-                <a:solidFill>
-                  <a:srgbClr val="C00000"/>
-                </a:solidFill>
-              </a:rPr>
-              <a:t>지</a:t>
-            </a:r>
-            <a:r>
-              <a:rPr lang="ko-KR" altLang="en-US" dirty="0" smtClean="0">
-                <a:solidFill>
-                  <a:srgbClr val="C00000"/>
-                </a:solidFill>
-              </a:rPr>
-              <a:t> 관리 시스템 </a:t>
-            </a:r>
-            <a:r>
-              <a:rPr lang="en-US" altLang="ko-KR" dirty="0" smtClean="0">
+              <a:t>패키지 관리 시스템 </a:t>
+            </a:r>
+            <a:r>
+              <a:rPr lang="en-US" altLang="ko-KR" dirty="0">
                 <a:solidFill>
                   <a:schemeClr val="bg1">
                     <a:lumMod val="50000"/>
@@ -5237,7 +5142,7 @@
               </a:lnSpc>
             </a:pPr>
             <a:r>
-              <a:rPr lang="en-US" altLang="ko-KR" dirty="0" smtClean="0">
+              <a:rPr lang="en-US" altLang="ko-KR" dirty="0">
                 <a:solidFill>
                   <a:srgbClr val="C00000"/>
                 </a:solidFill>
@@ -5252,7 +5157,7 @@
               </a:lnSpc>
             </a:pPr>
             <a:r>
-              <a:rPr lang="ko-KR" altLang="en-US" dirty="0" smtClean="0"/>
+              <a:rPr lang="ko-KR" altLang="en-US" dirty="0"/>
               <a:t>모듈이 모여서 구조 이루면 패키지</a:t>
             </a:r>
             <a:endParaRPr lang="en-US" altLang="ko-KR" dirty="0"/>
@@ -5264,10 +5169,10 @@
               </a:lnSpc>
             </a:pPr>
             <a:r>
-              <a:rPr lang="ko-KR" altLang="en-US" dirty="0" smtClean="0"/>
+              <a:rPr lang="ko-KR" altLang="en-US" dirty="0"/>
               <a:t>패키지 만들기</a:t>
             </a:r>
-            <a:endParaRPr lang="en-US" altLang="ko-KR" dirty="0" smtClean="0"/>
+            <a:endParaRPr lang="en-US" altLang="ko-KR" dirty="0"/>
           </a:p>
           <a:p>
             <a:pPr lvl="1">
@@ -5276,38 +5181,37 @@
               </a:lnSpc>
             </a:pPr>
             <a:r>
-              <a:rPr lang="en-US" altLang="ko-KR" dirty="0" smtClean="0"/>
+              <a:rPr lang="en-US" altLang="ko-KR" dirty="0"/>
               <a:t>mian.py </a:t>
             </a:r>
             <a:r>
-              <a:rPr lang="ko-KR" altLang="en-US" dirty="0" smtClean="0"/>
+              <a:rPr lang="ko-KR" altLang="en-US" dirty="0"/>
               <a:t>파일은 </a:t>
             </a:r>
             <a:r>
-              <a:rPr lang="ko-KR" altLang="en-US" dirty="0" err="1" smtClean="0"/>
+              <a:rPr lang="ko-KR" altLang="en-US" dirty="0" err="1"/>
               <a:t>엔트리</a:t>
             </a:r>
             <a:r>
-              <a:rPr lang="ko-KR" altLang="en-US" dirty="0" smtClean="0"/>
+              <a:rPr lang="ko-KR" altLang="en-US" dirty="0"/>
               <a:t> 포인트로</a:t>
             </a:r>
             <a:r>
-              <a:rPr lang="en-US" altLang="ko-KR" dirty="0" smtClean="0"/>
+              <a:rPr lang="en-US" altLang="ko-KR" dirty="0"/>
               <a:t>, </a:t>
             </a:r>
             <a:r>
-              <a:rPr lang="en-US" altLang="ko-KR" dirty="0" err="1" smtClean="0"/>
+              <a:rPr lang="en-US" altLang="ko-KR" dirty="0" err="1"/>
               <a:t>test_package</a:t>
             </a:r>
             <a:r>
-              <a:rPr lang="en-US" altLang="ko-KR" dirty="0" smtClean="0"/>
+              <a:rPr lang="en-US" altLang="ko-KR" dirty="0"/>
               <a:t> </a:t>
             </a:r>
             <a:r>
-              <a:rPr lang="ko-KR" altLang="en-US" dirty="0" smtClean="0"/>
+              <a:rPr lang="ko-KR" altLang="en-US" dirty="0"/>
               <a:t>폴더는 패키지로 사용</a:t>
             </a:r>
-            <a:endParaRPr lang="ko-KR" altLang="en-US" dirty="0"/>
           </a:p>
         </p:txBody>
       </p:sp>
@@ -5327,10 +5231,9 @@
           <a:lstStyle/>
           <a:p>
             <a:r>
-              <a:rPr lang="ko-KR" altLang="en-US" dirty="0" smtClean="0"/>
+              <a:rPr lang="ko-KR" altLang="en-US" dirty="0"/>
               <a:t>패키지</a:t>
             </a:r>
-            <a:endParaRPr lang="ko-KR" altLang="en-US" dirty="0"/>
           </a:p>
         </p:txBody>
       </p:sp>
@@ -5398,13 +5301,6 @@
   <p:clrMapOvr>
     <a:masterClrMapping/>
   </p:clrMapOvr>
-  <p:timing>
-    <p:tnLst>
-      <p:par>
-        <p:cTn id="1" dur="indefinite" restart="never" nodeType="tmRoot"/>
-      </p:par>
-    </p:tnLst>
-  </p:timing>
 </p:sld>
 </file>
 
@@ -5442,34 +5338,34 @@
           <a:p>
             <a:pPr lvl="1"/>
             <a:r>
-              <a:rPr lang="en-US" altLang="ko-KR" dirty="0" err="1" smtClean="0"/>
+              <a:rPr lang="en-US" altLang="ko-KR" dirty="0" err="1"/>
               <a:t>test_package</a:t>
             </a:r>
             <a:r>
-              <a:rPr lang="en-US" altLang="ko-KR" dirty="0" smtClean="0"/>
+              <a:rPr lang="en-US" altLang="ko-KR" dirty="0"/>
               <a:t> </a:t>
             </a:r>
             <a:r>
-              <a:rPr lang="ko-KR" altLang="en-US" dirty="0" smtClean="0"/>
+              <a:rPr lang="ko-KR" altLang="en-US" dirty="0"/>
               <a:t>폴더 내부에 </a:t>
             </a:r>
             <a:r>
-              <a:rPr lang="en-US" altLang="ko-KR" dirty="0" smtClean="0"/>
+              <a:rPr lang="en-US" altLang="ko-KR" dirty="0"/>
               <a:t>module_a.py </a:t>
             </a:r>
             <a:r>
-              <a:rPr lang="ko-KR" altLang="en-US" dirty="0" smtClean="0"/>
+              <a:rPr lang="ko-KR" altLang="en-US" dirty="0"/>
               <a:t>파일과 </a:t>
             </a:r>
             <a:r>
-              <a:rPr lang="en-US" altLang="ko-KR" dirty="0" smtClean="0"/>
+              <a:rPr lang="en-US" altLang="ko-KR" dirty="0"/>
               <a:t>module_b.py </a:t>
             </a:r>
             <a:r>
-              <a:rPr lang="ko-KR" altLang="en-US" dirty="0" smtClean="0"/>
+              <a:rPr lang="ko-KR" altLang="en-US" dirty="0"/>
               <a:t>파일 생성</a:t>
             </a:r>
-            <a:endParaRPr lang="en-US" altLang="ko-KR" dirty="0" smtClean="0"/>
+            <a:endParaRPr lang="en-US" altLang="ko-KR" dirty="0"/>
           </a:p>
           <a:p>
             <a:pPr lvl="1"/>
@@ -5477,7 +5373,7 @@
           </a:p>
           <a:p>
             <a:pPr lvl="1"/>
-            <a:endParaRPr lang="en-US" altLang="ko-KR" dirty="0" smtClean="0"/>
+            <a:endParaRPr lang="en-US" altLang="ko-KR" dirty="0"/>
           </a:p>
           <a:p>
             <a:pPr lvl="1"/>
@@ -5485,7 +5381,7 @@
           </a:p>
           <a:p>
             <a:pPr lvl="1"/>
-            <a:endParaRPr lang="en-US" altLang="ko-KR" dirty="0" smtClean="0"/>
+            <a:endParaRPr lang="en-US" altLang="ko-KR" dirty="0"/>
           </a:p>
           <a:p>
             <a:pPr lvl="1"/>
@@ -5493,19 +5389,18 @@
           </a:p>
           <a:p>
             <a:pPr lvl="1"/>
-            <a:endParaRPr lang="en-US" altLang="ko-KR" dirty="0" smtClean="0"/>
+            <a:endParaRPr lang="en-US" altLang="ko-KR" dirty="0"/>
           </a:p>
           <a:p>
             <a:pPr lvl="1"/>
-            <a:endParaRPr lang="en-US" altLang="ko-KR" sz="900" dirty="0" smtClean="0"/>
+            <a:endParaRPr lang="en-US" altLang="ko-KR" sz="900" dirty="0"/>
           </a:p>
           <a:p>
             <a:pPr lvl="1"/>
             <a:r>
-              <a:rPr lang="ko-KR" altLang="en-US" dirty="0" smtClean="0"/>
+              <a:rPr lang="ko-KR" altLang="en-US" dirty="0"/>
               <a:t>두 파일에 아래와 같이 입력</a:t>
             </a:r>
-            <a:endParaRPr lang="ko-KR" altLang="en-US" dirty="0"/>
           </a:p>
         </p:txBody>
       </p:sp>
@@ -5843,13 +5738,6 @@
   <p:clrMapOvr>
     <a:masterClrMapping/>
   </p:clrMapOvr>
-  <p:timing>
-    <p:tnLst>
-      <p:par>
-        <p:cTn id="1" dur="indefinite" restart="never" nodeType="tmRoot"/>
-      </p:par>
-    </p:tnLst>
-  </p:timing>
 </p:sld>
 </file>
 
@@ -5886,7 +5774,7 @@
           <a:lstStyle/>
           <a:p>
             <a:pPr lvl="1"/>
-            <a:endParaRPr lang="en-US" altLang="ko-KR" dirty="0" smtClean="0"/>
+            <a:endParaRPr lang="en-US" altLang="ko-KR" dirty="0"/>
           </a:p>
           <a:p>
             <a:pPr lvl="1"/>
@@ -5894,7 +5782,7 @@
           </a:p>
           <a:p>
             <a:pPr lvl="1"/>
-            <a:endParaRPr lang="en-US" altLang="ko-KR" dirty="0" smtClean="0"/>
+            <a:endParaRPr lang="en-US" altLang="ko-KR" dirty="0"/>
           </a:p>
           <a:p>
             <a:pPr lvl="1"/>
@@ -5902,7 +5790,7 @@
           </a:p>
           <a:p>
             <a:pPr lvl="1"/>
-            <a:endParaRPr lang="en-US" altLang="ko-KR" dirty="0" smtClean="0"/>
+            <a:endParaRPr lang="en-US" altLang="ko-KR" dirty="0"/>
           </a:p>
           <a:p>
             <a:pPr lvl="1"/>
@@ -5910,11 +5798,7 @@
           </a:p>
           <a:p>
             <a:pPr lvl="1"/>
-            <a:endParaRPr lang="en-US" altLang="ko-KR" dirty="0" smtClean="0"/>
-          </a:p>
-          <a:p>
-            <a:pPr lvl="1"/>
-            <a:endParaRPr lang="en-US" altLang="ko-KR" dirty="0" smtClean="0"/>
+            <a:endParaRPr lang="en-US" altLang="ko-KR" dirty="0"/>
           </a:p>
           <a:p>
             <a:pPr lvl="1"/>
@@ -5922,7 +5806,7 @@
           </a:p>
           <a:p>
             <a:pPr lvl="1"/>
-            <a:endParaRPr lang="en-US" altLang="ko-KR" dirty="0" smtClean="0"/>
+            <a:endParaRPr lang="en-US" altLang="ko-KR" dirty="0"/>
           </a:p>
           <a:p>
             <a:pPr lvl="1"/>
@@ -5930,7 +5814,7 @@
           </a:p>
           <a:p>
             <a:pPr lvl="1"/>
-            <a:endParaRPr lang="en-US" altLang="ko-KR" dirty="0" smtClean="0"/>
+            <a:endParaRPr lang="en-US" altLang="ko-KR" dirty="0"/>
           </a:p>
           <a:p>
             <a:pPr lvl="1"/>
@@ -5938,7 +5822,11 @@
           </a:p>
           <a:p>
             <a:pPr lvl="1"/>
-            <a:endParaRPr lang="en-US" altLang="ko-KR" dirty="0" smtClean="0"/>
+            <a:endParaRPr lang="en-US" altLang="ko-KR" dirty="0"/>
+          </a:p>
+          <a:p>
+            <a:pPr lvl="1"/>
+            <a:endParaRPr lang="en-US" altLang="ko-KR" dirty="0"/>
           </a:p>
           <a:p>
             <a:pPr lvl="1"/>
@@ -6140,13 +6028,6 @@
   <p:clrMapOvr>
     <a:masterClrMapping/>
   </p:clrMapOvr>
-  <p:timing>
-    <p:tnLst>
-      <p:par>
-        <p:cTn id="1" dur="indefinite" restart="never" nodeType="tmRoot"/>
-      </p:par>
-    </p:tnLst>
-  </p:timing>
 </p:sld>
 </file>
 
@@ -6190,22 +6071,22 @@
               </a:lnSpc>
             </a:pPr>
             <a:r>
-              <a:rPr lang="en-US" altLang="ko-KR" dirty="0" smtClean="0">
+              <a:rPr lang="en-US" altLang="ko-KR" dirty="0">
                 <a:solidFill>
                   <a:srgbClr val="C00000"/>
                 </a:solidFill>
               </a:rPr>
-              <a:t>__int__.py </a:t>
-            </a:r>
-            <a:r>
-              <a:rPr lang="ko-KR" altLang="en-US" dirty="0" smtClean="0">
+              <a:t>__init__.py </a:t>
+            </a:r>
+            <a:r>
+              <a:rPr lang="ko-KR" altLang="en-US" dirty="0">
                 <a:solidFill>
                   <a:srgbClr val="C00000"/>
                 </a:solidFill>
               </a:rPr>
               <a:t>파일</a:t>
             </a:r>
-            <a:endParaRPr lang="en-US" altLang="ko-KR" dirty="0" smtClean="0">
+            <a:endParaRPr lang="en-US" altLang="ko-KR" dirty="0">
               <a:solidFill>
                 <a:srgbClr val="C00000"/>
               </a:solidFill>
@@ -6218,18 +6099,18 @@
               </a:lnSpc>
             </a:pPr>
             <a:r>
-              <a:rPr lang="ko-KR" altLang="en-US" dirty="0" smtClean="0"/>
+              <a:rPr lang="ko-KR" altLang="en-US" dirty="0"/>
               <a:t>패키지 읽을 </a:t>
             </a:r>
             <a:r>
-              <a:rPr lang="ko-KR" altLang="en-US" dirty="0" err="1" smtClean="0"/>
+              <a:rPr lang="ko-KR" altLang="en-US" dirty="0" err="1"/>
               <a:t>떄</a:t>
             </a:r>
             <a:r>
-              <a:rPr lang="ko-KR" altLang="en-US" dirty="0" smtClean="0"/>
+              <a:rPr lang="ko-KR" altLang="en-US" dirty="0"/>
               <a:t> 어떤 처리를 수행해야 하거나 패키지 내부의 모듈들을 한꺼번에 가져오고 싶을 때 사용</a:t>
             </a:r>
-            <a:endParaRPr lang="en-US" altLang="ko-KR" dirty="0" smtClean="0"/>
+            <a:endParaRPr lang="en-US" altLang="ko-KR" dirty="0"/>
           </a:p>
           <a:p>
             <a:pPr lvl="1">
@@ -6238,34 +6119,26 @@
               </a:lnSpc>
             </a:pPr>
             <a:r>
-              <a:rPr lang="en-US" altLang="ko-KR" dirty="0" err="1" smtClean="0"/>
-              <a:t>test_package</a:t>
-            </a:r>
-            <a:r>
-              <a:rPr lang="en-US" altLang="ko-KR" dirty="0" smtClean="0"/>
+              <a:rPr lang="en-US" altLang="ko-KR" dirty="0" err="1"/>
+              <a:t>Test_package</a:t>
+            </a:r>
+            <a:r>
+              <a:rPr lang="en-US" altLang="ko-KR" dirty="0"/>
               <a:t> </a:t>
             </a:r>
             <a:r>
-              <a:rPr lang="ko-KR" altLang="en-US" dirty="0" smtClean="0"/>
+              <a:rPr lang="ko-KR" altLang="en-US" dirty="0"/>
               <a:t>폴더 내부에 </a:t>
             </a:r>
             <a:r>
               <a:rPr lang="en-US" altLang="ko-KR" dirty="0"/>
-              <a:t>__</a:t>
-            </a:r>
-            <a:r>
-              <a:rPr lang="en-US" altLang="ko-KR" dirty="0" smtClean="0"/>
-              <a:t>init</a:t>
-            </a:r>
-            <a:r>
-              <a:rPr lang="en-US" altLang="ko-KR" dirty="0"/>
-              <a:t>__.py </a:t>
-            </a:r>
-            <a:r>
-              <a:rPr lang="ko-KR" altLang="en-US" dirty="0" smtClean="0"/>
+              <a:t>__init__.py </a:t>
+            </a:r>
+            <a:r>
+              <a:rPr lang="ko-KR" altLang="en-US" dirty="0"/>
               <a:t>파일 추가</a:t>
             </a:r>
-            <a:endParaRPr lang="en-US" altLang="ko-KR" dirty="0" smtClean="0"/>
+            <a:endParaRPr lang="en-US" altLang="ko-KR" dirty="0"/>
           </a:p>
           <a:p>
             <a:pPr lvl="1">
@@ -6281,7 +6154,7 @@
                 <a:spcPct val="150000"/>
               </a:lnSpc>
             </a:pPr>
-            <a:endParaRPr lang="en-US" altLang="ko-KR" dirty="0" smtClean="0"/>
+            <a:endParaRPr lang="en-US" altLang="ko-KR" dirty="0"/>
           </a:p>
           <a:p>
             <a:pPr lvl="1">
@@ -6289,7 +6162,7 @@
                 <a:spcPct val="150000"/>
               </a:lnSpc>
             </a:pPr>
-            <a:endParaRPr lang="en-US" altLang="ko-KR" dirty="0" smtClean="0"/>
+            <a:endParaRPr lang="en-US" altLang="ko-KR" dirty="0"/>
           </a:p>
           <a:p>
             <a:pPr lvl="1">
@@ -6297,7 +6170,7 @@
                 <a:spcPct val="150000"/>
               </a:lnSpc>
             </a:pPr>
-            <a:endParaRPr lang="en-US" altLang="ko-KR" dirty="0" smtClean="0"/>
+            <a:endParaRPr lang="en-US" altLang="ko-KR" dirty="0"/>
           </a:p>
           <a:p>
             <a:pPr lvl="2">
@@ -6306,26 +6179,26 @@
               </a:lnSpc>
             </a:pPr>
             <a:r>
-              <a:rPr lang="ko-KR" altLang="en-US" dirty="0" smtClean="0"/>
+              <a:rPr lang="ko-KR" altLang="en-US" dirty="0"/>
               <a:t>패키지 </a:t>
             </a:r>
             <a:r>
-              <a:rPr lang="ko-KR" altLang="en-US" dirty="0" err="1" smtClean="0"/>
+              <a:rPr lang="ko-KR" altLang="en-US" dirty="0" err="1"/>
               <a:t>읽어들일</a:t>
             </a:r>
             <a:r>
-              <a:rPr lang="ko-KR" altLang="en-US" dirty="0" smtClean="0"/>
+              <a:rPr lang="ko-KR" altLang="en-US" dirty="0"/>
               <a:t> 때 </a:t>
             </a:r>
             <a:r>
-              <a:rPr lang="en-US" altLang="ko-KR" dirty="0" smtClean="0"/>
+              <a:rPr lang="en-US" altLang="ko-KR" dirty="0"/>
               <a:t>__init__.py</a:t>
             </a:r>
             <a:r>
-              <a:rPr lang="ko-KR" altLang="en-US" dirty="0" smtClean="0"/>
+              <a:rPr lang="ko-KR" altLang="en-US" dirty="0"/>
               <a:t>를 가장 먼저 실행</a:t>
             </a:r>
-            <a:endParaRPr lang="en-US" altLang="ko-KR" dirty="0" smtClean="0"/>
+            <a:endParaRPr lang="en-US" altLang="ko-KR" dirty="0"/>
           </a:p>
           <a:p>
             <a:pPr lvl="2">
@@ -6334,10 +6207,9 @@
               </a:lnSpc>
             </a:pPr>
             <a:r>
-              <a:rPr lang="ko-KR" altLang="en-US" dirty="0" smtClean="0"/>
+              <a:rPr lang="ko-KR" altLang="en-US" dirty="0"/>
               <a:t>패키지와 관련된 초기화 처리 등 할 수 있음</a:t>
             </a:r>
-            <a:endParaRPr lang="ko-KR" altLang="en-US" dirty="0"/>
           </a:p>
         </p:txBody>
       </p:sp>
@@ -6427,13 +6299,6 @@
   <p:clrMapOvr>
     <a:masterClrMapping/>
   </p:clrMapOvr>
-  <p:timing>
-    <p:tnLst>
-      <p:par>
-        <p:cTn id="1" dur="indefinite" restart="never" nodeType="tmRoot"/>
-      </p:par>
-    </p:tnLst>
-  </p:timing>
 </p:sld>
 </file>
 
@@ -6736,13 +6601,6 @@
   <p:clrMapOvr>
     <a:masterClrMapping/>
   </p:clrMapOvr>
-  <p:timing>
-    <p:tnLst>
-      <p:par>
-        <p:cTn id="1" dur="indefinite" restart="never" nodeType="tmRoot"/>
-      </p:par>
-    </p:tnLst>
-  </p:timing>
 </p:sld>
 </file>
 
@@ -6786,7 +6644,7 @@
               </a:lnSpc>
             </a:pPr>
             <a:r>
-              <a:rPr lang="ko-KR" altLang="en-US" b="1" dirty="0" smtClean="0"/>
+              <a:rPr lang="ko-KR" altLang="en-US" b="1" dirty="0"/>
               <a:t>시작하기 전에</a:t>
             </a:r>
             <a:endParaRPr lang="en-US" altLang="ko-KR" b="1" dirty="0"/>
@@ -6811,11 +6669,7 @@
             </a:pPr>
             <a:r>
               <a:rPr lang="en-US" altLang="ko-KR" b="1" dirty="0"/>
-              <a:t>__name__==“__main</a:t>
-            </a:r>
-            <a:r>
-              <a:rPr lang="en-US" altLang="ko-KR" b="1" dirty="0" smtClean="0"/>
-              <a:t>__”</a:t>
+              <a:t>__name__==“__main__”</a:t>
             </a:r>
           </a:p>
           <a:p>
@@ -6825,10 +6679,10 @@
               </a:lnSpc>
             </a:pPr>
             <a:r>
-              <a:rPr lang="ko-KR" altLang="en-US" b="1" dirty="0" smtClean="0"/>
+              <a:rPr lang="ko-KR" altLang="en-US" b="1" dirty="0"/>
               <a:t>패키지</a:t>
             </a:r>
-            <a:endParaRPr lang="en-US" altLang="ko-KR" b="1" dirty="0" smtClean="0"/>
+            <a:endParaRPr lang="en-US" altLang="ko-KR" b="1" dirty="0"/>
           </a:p>
           <a:p>
             <a:pPr>
@@ -6838,13 +6692,9 @@
             </a:pPr>
             <a:r>
               <a:rPr lang="ko-KR" altLang="en-US" b="1" dirty="0"/>
-              <a:t>텍스트 </a:t>
-            </a:r>
-            <a:r>
-              <a:rPr lang="ko-KR" altLang="en-US" b="1" dirty="0" smtClean="0"/>
-              <a:t>데이터</a:t>
-            </a:r>
-            <a:endParaRPr lang="en-US" altLang="ko-KR" b="1" dirty="0" smtClean="0"/>
+              <a:t>텍스트 데이터</a:t>
+            </a:r>
+            <a:endParaRPr lang="en-US" altLang="ko-KR" b="1" dirty="0"/>
           </a:p>
           <a:p>
             <a:pPr>
@@ -6856,7 +6706,7 @@
               <a:rPr lang="ko-KR" altLang="en-US" b="1" dirty="0"/>
               <a:t>바이너리 데이터</a:t>
             </a:r>
-            <a:endParaRPr lang="en-US" altLang="ko-KR" b="1" dirty="0" smtClean="0"/>
+            <a:endParaRPr lang="en-US" altLang="ko-KR" b="1" dirty="0"/>
           </a:p>
           <a:p>
             <a:pPr>
@@ -6865,10 +6715,10 @@
               </a:lnSpc>
             </a:pPr>
             <a:r>
-              <a:rPr lang="ko-KR" altLang="en-US" b="1" dirty="0" smtClean="0"/>
+              <a:rPr lang="ko-KR" altLang="en-US" b="1" dirty="0"/>
               <a:t>키워드로 정리하는 핵심 포인트</a:t>
             </a:r>
-            <a:endParaRPr lang="en-US" altLang="ko-KR" b="1" dirty="0" smtClean="0"/>
+            <a:endParaRPr lang="en-US" altLang="ko-KR" b="1" dirty="0"/>
           </a:p>
           <a:p>
             <a:pPr>
@@ -6877,14 +6727,10 @@
               </a:lnSpc>
             </a:pPr>
             <a:r>
-              <a:rPr lang="ko-KR" altLang="en-US" b="1" dirty="0" smtClean="0"/>
-              <a:t>확인문</a:t>
-            </a:r>
-            <a:r>
               <a:rPr lang="ko-KR" altLang="en-US" b="1" dirty="0"/>
-              <a:t>제</a:t>
-            </a:r>
-            <a:endParaRPr lang="en-US" altLang="ko-KR" b="1" dirty="0" smtClean="0"/>
+              <a:t>확인문제</a:t>
+            </a:r>
+            <a:endParaRPr lang="en-US" altLang="ko-KR" b="1" dirty="0"/>
           </a:p>
           <a:p>
             <a:endParaRPr lang="ko-KR" altLang="en-US" dirty="0"/>
@@ -6912,10 +6758,9 @@
           <a:lstStyle/>
           <a:p>
             <a:r>
-              <a:rPr lang="ko-KR" altLang="en-US" dirty="0" smtClean="0"/>
+              <a:rPr lang="ko-KR" altLang="en-US" dirty="0"/>
               <a:t>목차</a:t>
             </a:r>
-            <a:endParaRPr lang="ko-KR" altLang="en-US" dirty="0"/>
           </a:p>
         </p:txBody>
       </p:sp>
@@ -7116,13 +6961,6 @@
   <p:clrMapOvr>
     <a:masterClrMapping/>
   </p:clrMapOvr>
-  <p:timing>
-    <p:tnLst>
-      <p:par>
-        <p:cTn id="1" dur="indefinite" restart="never" nodeType="tmRoot"/>
-      </p:par>
-    </p:tnLst>
-  </p:timing>
 </p:sld>
 </file>
 
@@ -7164,7 +7002,7 @@
               </a:lnSpc>
             </a:pPr>
             <a:r>
-              <a:rPr lang="ko-KR" altLang="en-US" dirty="0" smtClean="0">
+              <a:rPr lang="ko-KR" altLang="en-US" dirty="0">
                 <a:solidFill>
                   <a:srgbClr val="C00000"/>
                 </a:solidFill>
@@ -7172,7 +7010,7 @@
               <a:t>텍스트 데이터 </a:t>
             </a:r>
             <a:r>
-              <a:rPr lang="en-US" altLang="ko-KR" dirty="0" smtClean="0">
+              <a:rPr lang="en-US" altLang="ko-KR" dirty="0">
                 <a:solidFill>
                   <a:schemeClr val="bg1">
                     <a:lumMod val="50000"/>
@@ -7189,10 +7027,10 @@
               </a:lnSpc>
             </a:pPr>
             <a:r>
-              <a:rPr lang="ko-KR" altLang="en-US" dirty="0" smtClean="0"/>
+              <a:rPr lang="ko-KR" altLang="en-US" dirty="0"/>
               <a:t>우리가 쉽게 읽을 수 있는 형태의 데이터</a:t>
             </a:r>
-            <a:endParaRPr lang="en-US" altLang="ko-KR" dirty="0" smtClean="0"/>
+            <a:endParaRPr lang="en-US" altLang="ko-KR" dirty="0"/>
           </a:p>
           <a:p>
             <a:pPr lvl="2">
@@ -7201,30 +7039,26 @@
               </a:lnSpc>
             </a:pPr>
             <a:r>
-              <a:rPr lang="ko-KR" altLang="en-US" dirty="0" smtClean="0"/>
+              <a:rPr lang="ko-KR" altLang="en-US" dirty="0"/>
               <a:t>컴퓨터는 내부적으로 모든 처리를 </a:t>
             </a:r>
             <a:r>
-              <a:rPr lang="en-US" altLang="ko-KR" dirty="0" smtClean="0"/>
+              <a:rPr lang="en-US" altLang="ko-KR" dirty="0"/>
               <a:t>0</a:t>
             </a:r>
             <a:r>
-              <a:rPr lang="ko-KR" altLang="en-US" dirty="0" smtClean="0"/>
+              <a:rPr lang="ko-KR" altLang="en-US" dirty="0"/>
               <a:t>과</a:t>
             </a:r>
             <a:r>
               <a:rPr lang="en-US" altLang="ko-KR" dirty="0"/>
-              <a:t> </a:t>
-            </a:r>
-            <a:r>
-              <a:rPr lang="en-US" altLang="ko-KR" dirty="0" smtClean="0"/>
-              <a:t>1</a:t>
-            </a:r>
-            <a:r>
-              <a:rPr lang="ko-KR" altLang="en-US" dirty="0" smtClean="0"/>
+              <a:t> 1</a:t>
+            </a:r>
+            <a:r>
+              <a:rPr lang="ko-KR" altLang="en-US" dirty="0"/>
               <a:t>로 이루어진 이진숫자로 수행</a:t>
             </a:r>
-            <a:endParaRPr lang="en-US" altLang="ko-KR" dirty="0" smtClean="0"/>
+            <a:endParaRPr lang="en-US" altLang="ko-KR" dirty="0"/>
           </a:p>
           <a:p>
             <a:pPr lvl="1">
@@ -7233,10 +7067,9 @@
               </a:lnSpc>
             </a:pPr>
             <a:r>
-              <a:rPr lang="ko-KR" altLang="en-US" dirty="0" smtClean="0"/>
+              <a:rPr lang="ko-KR" altLang="en-US" dirty="0"/>
               <a:t>텍스트 데이터로 쉽게 편집</a:t>
             </a:r>
-            <a:endParaRPr lang="ko-KR" altLang="en-US" dirty="0"/>
           </a:p>
         </p:txBody>
       </p:sp>
@@ -7256,10 +7089,9 @@
           <a:lstStyle/>
           <a:p>
             <a:r>
-              <a:rPr lang="ko-KR" altLang="en-US" dirty="0" smtClean="0"/>
+              <a:rPr lang="ko-KR" altLang="en-US" dirty="0"/>
               <a:t>텍스트 데이터</a:t>
             </a:r>
-            <a:endParaRPr lang="ko-KR" altLang="en-US" dirty="0"/>
           </a:p>
         </p:txBody>
       </p:sp>
@@ -7521,13 +7353,6 @@
   <p:clrMapOvr>
     <a:masterClrMapping/>
   </p:clrMapOvr>
-  <p:timing>
-    <p:tnLst>
-      <p:par>
-        <p:cTn id="1" dur="indefinite" restart="never" nodeType="tmRoot"/>
-      </p:par>
-    </p:tnLst>
-  </p:timing>
 </p:sld>
 </file>
 
@@ -7776,13 +7601,6 @@
   <p:clrMapOvr>
     <a:masterClrMapping/>
   </p:clrMapOvr>
-  <p:timing>
-    <p:tnLst>
-      <p:par>
-        <p:cTn id="1" dur="indefinite" restart="never" nodeType="tmRoot"/>
-      </p:par>
-    </p:tnLst>
-  </p:timing>
 </p:sld>
 </file>
 
@@ -7824,7 +7642,7 @@
               </a:lnSpc>
             </a:pPr>
             <a:r>
-              <a:rPr lang="ko-KR" altLang="en-US" dirty="0" smtClean="0">
+              <a:rPr lang="ko-KR" altLang="en-US" dirty="0">
                 <a:solidFill>
                   <a:srgbClr val="C00000"/>
                 </a:solidFill>
@@ -7832,7 +7650,7 @@
               <a:t>바이너리 데이터 </a:t>
             </a:r>
             <a:r>
-              <a:rPr lang="en-US" altLang="ko-KR" dirty="0" smtClean="0">
+              <a:rPr lang="en-US" altLang="ko-KR" dirty="0">
                 <a:solidFill>
                   <a:schemeClr val="bg1">
                     <a:lumMod val="50000"/>
@@ -7849,10 +7667,10 @@
               </a:lnSpc>
             </a:pPr>
             <a:r>
-              <a:rPr lang="ko-KR" altLang="en-US" dirty="0" smtClean="0"/>
+              <a:rPr lang="ko-KR" altLang="en-US" dirty="0"/>
               <a:t>텍스트 에디터로 열었을 때 의미를 이해할 수 없는 데이터</a:t>
             </a:r>
-            <a:endParaRPr lang="en-US" altLang="ko-KR" dirty="0" smtClean="0"/>
+            <a:endParaRPr lang="en-US" altLang="ko-KR" dirty="0"/>
           </a:p>
           <a:p>
             <a:pPr lvl="1">
@@ -7861,18 +7679,17 @@
               </a:lnSpc>
             </a:pPr>
             <a:r>
-              <a:rPr lang="ko-KR" altLang="en-US" dirty="0" smtClean="0"/>
+              <a:rPr lang="ko-KR" altLang="en-US" dirty="0"/>
               <a:t>이미지</a:t>
             </a:r>
             <a:r>
-              <a:rPr lang="en-US" altLang="ko-KR" dirty="0" smtClean="0"/>
+              <a:rPr lang="en-US" altLang="ko-KR" dirty="0"/>
               <a:t>, </a:t>
             </a:r>
             <a:r>
-              <a:rPr lang="ko-KR" altLang="en-US" dirty="0" smtClean="0"/>
+              <a:rPr lang="ko-KR" altLang="en-US" dirty="0"/>
               <a:t>동영상 등</a:t>
             </a:r>
-            <a:endParaRPr lang="ko-KR" altLang="en-US" dirty="0"/>
           </a:p>
         </p:txBody>
       </p:sp>
@@ -7892,10 +7709,9 @@
           <a:lstStyle/>
           <a:p>
             <a:r>
-              <a:rPr lang="ko-KR" altLang="en-US" dirty="0" smtClean="0"/>
+              <a:rPr lang="ko-KR" altLang="en-US" dirty="0"/>
               <a:t>바이너리 데이터</a:t>
             </a:r>
-            <a:endParaRPr lang="ko-KR" altLang="en-US" dirty="0"/>
           </a:p>
         </p:txBody>
       </p:sp>
@@ -8157,13 +7973,6 @@
   <p:clrMapOvr>
     <a:masterClrMapping/>
   </p:clrMapOvr>
-  <p:timing>
-    <p:tnLst>
-      <p:par>
-        <p:cTn id="1" dur="indefinite" restart="never" nodeType="tmRoot"/>
-      </p:par>
-    </p:tnLst>
-  </p:timing>
 </p:sld>
 </file>
 
@@ -8466,13 +8275,6 @@
   <p:clrMapOvr>
     <a:masterClrMapping/>
   </p:clrMapOvr>
-  <p:timing>
-    <p:tnLst>
-      <p:par>
-        <p:cTn id="1" dur="indefinite" restart="never" nodeType="tmRoot"/>
-      </p:par>
-    </p:tnLst>
-  </p:timing>
 </p:sld>
 </file>
 
@@ -8510,19 +8312,19 @@
           </a:bodyPr>
           <a:lstStyle/>
           <a:p>
-            <a:endParaRPr lang="en-US" altLang="ko-KR" dirty="0" smtClean="0"/>
-          </a:p>
-          <a:p>
             <a:endParaRPr lang="en-US" altLang="ko-KR" dirty="0"/>
           </a:p>
           <a:p>
-            <a:endParaRPr lang="en-US" altLang="ko-KR" dirty="0" smtClean="0"/>
-          </a:p>
-          <a:p>
             <a:endParaRPr lang="en-US" altLang="ko-KR" dirty="0"/>
           </a:p>
           <a:p>
-            <a:endParaRPr lang="en-US" altLang="ko-KR" dirty="0" smtClean="0"/>
+            <a:endParaRPr lang="en-US" altLang="ko-KR" dirty="0"/>
+          </a:p>
+          <a:p>
+            <a:endParaRPr lang="en-US" altLang="ko-KR" dirty="0"/>
+          </a:p>
+          <a:p>
+            <a:endParaRPr lang="en-US" altLang="ko-KR" dirty="0"/>
           </a:p>
           <a:p>
             <a:pPr>
@@ -8531,18 +8333,18 @@
               </a:lnSpc>
             </a:pPr>
             <a:r>
-              <a:rPr lang="ko-KR" altLang="en-US" dirty="0" err="1" smtClean="0"/>
+              <a:rPr lang="ko-KR" altLang="en-US" dirty="0" err="1"/>
               <a:t>인코딩과</a:t>
             </a:r>
             <a:r>
-              <a:rPr lang="ko-KR" altLang="en-US" dirty="0" smtClean="0"/>
+              <a:rPr lang="ko-KR" altLang="en-US" dirty="0"/>
               <a:t> </a:t>
             </a:r>
             <a:r>
-              <a:rPr lang="ko-KR" altLang="en-US" dirty="0" err="1" smtClean="0"/>
+              <a:rPr lang="ko-KR" altLang="en-US" dirty="0" err="1"/>
               <a:t>디코딩</a:t>
             </a:r>
-            <a:endParaRPr lang="en-US" altLang="ko-KR" dirty="0" smtClean="0"/>
+            <a:endParaRPr lang="en-US" altLang="ko-KR" dirty="0"/>
           </a:p>
           <a:p>
             <a:pPr lvl="1">
@@ -8551,7 +8353,7 @@
               </a:lnSpc>
             </a:pPr>
             <a:r>
-              <a:rPr lang="ko-KR" altLang="en-US" dirty="0" err="1" smtClean="0">
+              <a:rPr lang="ko-KR" altLang="en-US" dirty="0" err="1">
                 <a:solidFill>
                   <a:srgbClr val="C00000"/>
                 </a:solidFill>
@@ -8559,11 +8361,11 @@
               <a:t>인코딩</a:t>
             </a:r>
             <a:r>
-              <a:rPr lang="ko-KR" altLang="en-US" dirty="0" smtClean="0"/>
+              <a:rPr lang="ko-KR" altLang="en-US" dirty="0"/>
               <a:t> </a:t>
             </a:r>
             <a:r>
-              <a:rPr lang="en-US" altLang="ko-KR" dirty="0" smtClean="0">
+              <a:rPr lang="en-US" altLang="ko-KR" dirty="0">
                 <a:solidFill>
                   <a:schemeClr val="bg1">
                     <a:lumMod val="50000"/>
@@ -8580,18 +8382,18 @@
               </a:lnSpc>
             </a:pPr>
             <a:r>
-              <a:rPr lang="ko-KR" altLang="en-US" dirty="0" smtClean="0"/>
+              <a:rPr lang="ko-KR" altLang="en-US" dirty="0"/>
               <a:t>텍스트 데이터를 우리가 읽기 쉬운 글자로 보이기 위해</a:t>
             </a:r>
             <a:r>
-              <a:rPr lang="en-US" altLang="ko-KR" dirty="0" smtClean="0"/>
+              <a:rPr lang="en-US" altLang="ko-KR" dirty="0"/>
               <a:t>, </a:t>
             </a:r>
             <a:r>
-              <a:rPr lang="ko-KR" altLang="en-US" dirty="0" smtClean="0"/>
+              <a:rPr lang="ko-KR" altLang="en-US" dirty="0"/>
               <a:t>혹은 바이너리 데이터를 읽어 이미지로 보이기 위해 데이터를 변환하는 것</a:t>
             </a:r>
-            <a:endParaRPr lang="en-US" altLang="ko-KR" dirty="0" smtClean="0"/>
+            <a:endParaRPr lang="en-US" altLang="ko-KR" dirty="0"/>
           </a:p>
           <a:p>
             <a:pPr lvl="1">
@@ -8600,7 +8402,7 @@
               </a:lnSpc>
             </a:pPr>
             <a:r>
-              <a:rPr lang="ko-KR" altLang="en-US" dirty="0" err="1" smtClean="0">
+              <a:rPr lang="ko-KR" altLang="en-US" dirty="0" err="1">
                 <a:solidFill>
                   <a:srgbClr val="C00000"/>
                 </a:solidFill>
@@ -8608,11 +8410,11 @@
               <a:t>디코딩</a:t>
             </a:r>
             <a:r>
-              <a:rPr lang="ko-KR" altLang="en-US" dirty="0" smtClean="0"/>
+              <a:rPr lang="ko-KR" altLang="en-US" dirty="0"/>
               <a:t> </a:t>
             </a:r>
             <a:r>
-              <a:rPr lang="en-US" altLang="ko-KR" dirty="0" smtClean="0">
+              <a:rPr lang="en-US" altLang="ko-KR" dirty="0">
                 <a:solidFill>
                   <a:schemeClr val="bg1">
                     <a:lumMod val="50000"/>
@@ -8629,10 +8431,9 @@
               </a:lnSpc>
             </a:pPr>
             <a:r>
-              <a:rPr lang="ko-KR" altLang="en-US" dirty="0" smtClean="0"/>
+              <a:rPr lang="ko-KR" altLang="en-US" dirty="0"/>
               <a:t>반대 과정</a:t>
             </a:r>
-            <a:endParaRPr lang="ko-KR" altLang="en-US" dirty="0"/>
           </a:p>
         </p:txBody>
       </p:sp>
@@ -8722,13 +8523,6 @@
   <p:clrMapOvr>
     <a:masterClrMapping/>
   </p:clrMapOvr>
-  <p:timing>
-    <p:tnLst>
-      <p:par>
-        <p:cTn id="1" dur="indefinite" restart="never" nodeType="tmRoot"/>
-      </p:par>
-    </p:tnLst>
-  </p:timing>
 </p:sld>
 </file>
 
@@ -8770,10 +8564,10 @@
               </a:lnSpc>
             </a:pPr>
             <a:r>
-              <a:rPr lang="ko-KR" altLang="en-US" dirty="0" smtClean="0"/>
+              <a:rPr lang="ko-KR" altLang="en-US" dirty="0"/>
               <a:t>인터넷의 이미지 저장하기</a:t>
             </a:r>
-            <a:endParaRPr lang="en-US" altLang="ko-KR" dirty="0" smtClean="0"/>
+            <a:endParaRPr lang="en-US" altLang="ko-KR" dirty="0"/>
           </a:p>
           <a:p>
             <a:pPr lvl="1">
@@ -8782,26 +8576,26 @@
               </a:lnSpc>
             </a:pPr>
             <a:r>
-              <a:rPr lang="ko-KR" altLang="en-US" dirty="0" smtClean="0"/>
+              <a:rPr lang="ko-KR" altLang="en-US" dirty="0"/>
               <a:t>파일</a:t>
             </a:r>
             <a:r>
-              <a:rPr lang="en-US" altLang="ko-KR" dirty="0" smtClean="0"/>
+              <a:rPr lang="en-US" altLang="ko-KR" dirty="0"/>
               <a:t> </a:t>
             </a:r>
             <a:r>
-              <a:rPr lang="ko-KR" altLang="en-US" dirty="0" smtClean="0"/>
+              <a:rPr lang="ko-KR" altLang="en-US" dirty="0"/>
               <a:t>열 때 뒤에 </a:t>
             </a:r>
             <a:r>
-              <a:rPr lang="en-US" altLang="ko-KR" dirty="0" smtClean="0"/>
+              <a:rPr lang="en-US" altLang="ko-KR" dirty="0"/>
               <a:t>“b” </a:t>
             </a:r>
             <a:r>
-              <a:rPr lang="ko-KR" altLang="en-US" dirty="0" smtClean="0"/>
+              <a:rPr lang="ko-KR" altLang="en-US" dirty="0"/>
               <a:t>붙이기</a:t>
             </a:r>
-            <a:endParaRPr lang="en-US" altLang="ko-KR" dirty="0" smtClean="0"/>
+            <a:endParaRPr lang="en-US" altLang="ko-KR" dirty="0"/>
           </a:p>
           <a:p>
             <a:pPr lvl="1">
@@ -8810,10 +8604,9 @@
               </a:lnSpc>
             </a:pPr>
             <a:r>
-              <a:rPr lang="ko-KR" altLang="en-US" dirty="0" smtClean="0"/>
+              <a:rPr lang="ko-KR" altLang="en-US" dirty="0"/>
               <a:t>바이너리 데이터로 저장</a:t>
             </a:r>
-            <a:endParaRPr lang="ko-KR" altLang="en-US" dirty="0"/>
           </a:p>
         </p:txBody>
       </p:sp>
@@ -9043,13 +8836,6 @@
   <p:clrMapOvr>
     <a:masterClrMapping/>
   </p:clrMapOvr>
-  <p:timing>
-    <p:tnLst>
-      <p:par>
-        <p:cTn id="1" dur="indefinite" restart="never" nodeType="tmRoot"/>
-      </p:par>
-    </p:tnLst>
-  </p:timing>
 </p:sld>
 </file>
 
@@ -9298,13 +9084,6 @@
   <p:clrMapOvr>
     <a:masterClrMapping/>
   </p:clrMapOvr>
-  <p:timing>
-    <p:tnLst>
-      <p:par>
-        <p:cTn id="1" dur="indefinite" restart="never" nodeType="tmRoot"/>
-      </p:par>
-    </p:tnLst>
-  </p:timing>
 </p:sld>
 </file>
 
@@ -9353,7 +9132,7 @@
               </a:lnSpc>
             </a:pPr>
             <a:r>
-              <a:rPr lang="ko-KR" altLang="en-US" sz="1800" b="1" dirty="0" err="1" smtClean="0">
+              <a:rPr lang="ko-KR" altLang="en-US" sz="1800" b="1" dirty="0" err="1">
                 <a:solidFill>
                   <a:srgbClr val="C00000"/>
                 </a:solidFill>
@@ -9361,7 +9140,7 @@
               <a:t>엔트리</a:t>
             </a:r>
             <a:r>
-              <a:rPr lang="ko-KR" altLang="en-US" sz="1800" b="1" dirty="0" smtClean="0">
+              <a:rPr lang="ko-KR" altLang="en-US" sz="1800" b="1" dirty="0">
                 <a:solidFill>
                   <a:srgbClr val="C00000"/>
                 </a:solidFill>
@@ -9369,23 +9148,23 @@
               <a:t> 포인트 </a:t>
             </a:r>
             <a:r>
-              <a:rPr lang="en-US" altLang="ko-KR" sz="1800" dirty="0" smtClean="0"/>
+              <a:rPr lang="en-US" altLang="ko-KR" sz="1800" dirty="0"/>
               <a:t>: python </a:t>
             </a:r>
             <a:r>
-              <a:rPr lang="ko-KR" altLang="en-US" sz="1800" dirty="0" smtClean="0"/>
+              <a:rPr lang="ko-KR" altLang="en-US" sz="1800" dirty="0"/>
               <a:t>명령어 사용한 첫 진입 파일을 </a:t>
             </a:r>
             <a:r>
-              <a:rPr lang="ko-KR" altLang="en-US" sz="1800" dirty="0" err="1" smtClean="0"/>
+              <a:rPr lang="ko-KR" altLang="en-US" sz="1800" dirty="0" err="1"/>
               <a:t>엔트리</a:t>
             </a:r>
             <a:r>
-              <a:rPr lang="ko-KR" altLang="en-US" sz="1800" dirty="0" smtClean="0"/>
+              <a:rPr lang="ko-KR" altLang="en-US" sz="1800" dirty="0"/>
               <a:t> 포인트라 부른다</a:t>
             </a:r>
             <a:r>
-              <a:rPr lang="en-US" altLang="ko-KR" sz="1800" dirty="0" smtClean="0"/>
+              <a:rPr lang="en-US" altLang="ko-KR" sz="1800" dirty="0"/>
               <a:t>.</a:t>
             </a:r>
           </a:p>
@@ -9395,7 +9174,7 @@
                 <a:spcPct val="150000"/>
               </a:lnSpc>
             </a:pPr>
-            <a:endParaRPr lang="en-US" altLang="ko-KR" sz="1800" dirty="0" smtClean="0"/>
+            <a:endParaRPr lang="en-US" altLang="ko-KR" sz="1800" dirty="0"/>
           </a:p>
           <a:p>
             <a:pPr>
@@ -9404,7 +9183,7 @@
               </a:lnSpc>
             </a:pPr>
             <a:r>
-              <a:rPr lang="en-US" altLang="ko-KR" sz="1800" b="1" dirty="0" smtClean="0">
+              <a:rPr lang="en-US" altLang="ko-KR" sz="1800" b="1" dirty="0">
                 <a:solidFill>
                   <a:srgbClr val="C00000"/>
                 </a:solidFill>
@@ -9412,7 +9191,7 @@
               <a:t>__name__==“__main__”</a:t>
             </a:r>
             <a:r>
-              <a:rPr lang="ko-KR" altLang="en-US" sz="1800" b="1" dirty="0" smtClean="0">
+              <a:rPr lang="ko-KR" altLang="en-US" sz="1800" b="1" dirty="0">
                 <a:solidFill>
                   <a:srgbClr val="C00000"/>
                 </a:solidFill>
@@ -9420,22 +9199,22 @@
               <a:t> </a:t>
             </a:r>
             <a:r>
-              <a:rPr lang="en-US" altLang="ko-KR" sz="1800" dirty="0" smtClean="0"/>
+              <a:rPr lang="en-US" altLang="ko-KR" sz="1800" dirty="0"/>
               <a:t>: </a:t>
             </a:r>
             <a:r>
-              <a:rPr lang="ko-KR" altLang="en-US" sz="1800" dirty="0" smtClean="0"/>
+              <a:rPr lang="ko-KR" altLang="en-US" sz="1800" dirty="0"/>
               <a:t>현재 파일이 </a:t>
             </a:r>
             <a:r>
-              <a:rPr lang="ko-KR" altLang="en-US" sz="1800" dirty="0" err="1" smtClean="0"/>
+              <a:rPr lang="ko-KR" altLang="en-US" sz="1800" dirty="0" err="1"/>
               <a:t>엔트리</a:t>
             </a:r>
             <a:r>
-              <a:rPr lang="ko-KR" altLang="en-US" sz="1800" dirty="0" smtClean="0"/>
+              <a:rPr lang="ko-KR" altLang="en-US" sz="1800" dirty="0"/>
               <a:t> 포인트인지 확인할 때 사용하는 코드</a:t>
             </a:r>
-            <a:endParaRPr lang="en-US" altLang="ko-KR" sz="1800" dirty="0" smtClean="0"/>
+            <a:endParaRPr lang="en-US" altLang="ko-KR" sz="1800" dirty="0"/>
           </a:p>
           <a:p>
             <a:pPr>
@@ -9443,7 +9222,7 @@
                 <a:spcPct val="150000"/>
               </a:lnSpc>
             </a:pPr>
-            <a:endParaRPr lang="en-US" altLang="ko-KR" sz="1800" b="1" dirty="0" smtClean="0">
+            <a:endParaRPr lang="en-US" altLang="ko-KR" sz="1800" b="1" dirty="0">
               <a:solidFill>
                 <a:srgbClr val="C00000"/>
               </a:solidFill>
@@ -9456,7 +9235,7 @@
               </a:lnSpc>
             </a:pPr>
             <a:r>
-              <a:rPr lang="ko-KR" altLang="en-US" sz="1800" b="1" dirty="0" smtClean="0">
+              <a:rPr lang="ko-KR" altLang="en-US" sz="1800" b="1" dirty="0">
                 <a:solidFill>
                   <a:srgbClr val="C00000"/>
                 </a:solidFill>
@@ -9464,11 +9243,11 @@
               <a:t>패키지 </a:t>
             </a:r>
             <a:r>
-              <a:rPr lang="en-US" altLang="ko-KR" sz="1800" dirty="0" smtClean="0"/>
+              <a:rPr lang="en-US" altLang="ko-KR" sz="1800" dirty="0"/>
               <a:t>: </a:t>
             </a:r>
             <a:r>
-              <a:rPr lang="ko-KR" altLang="en-US" sz="1800" dirty="0" smtClean="0"/>
+              <a:rPr lang="ko-KR" altLang="en-US" sz="1800" dirty="0"/>
               <a:t>모듈이 모인 것</a:t>
             </a:r>
             <a:endParaRPr lang="en-US" altLang="ko-KR" sz="1800" dirty="0"/>
@@ -9491,10 +9270,9 @@
           <a:lstStyle/>
           <a:p>
             <a:r>
-              <a:rPr lang="ko-KR" altLang="en-US" dirty="0" smtClean="0"/>
+              <a:rPr lang="ko-KR" altLang="en-US" dirty="0"/>
               <a:t>키워드로 정리하는 핵심 포인트</a:t>
             </a:r>
-            <a:endParaRPr lang="ko-KR" altLang="en-US" dirty="0"/>
           </a:p>
         </p:txBody>
       </p:sp>
@@ -9762,11 +9540,11 @@
               </a:lnSpc>
             </a:pPr>
             <a:r>
-              <a:rPr lang="en-US" altLang="ko-KR" dirty="0" smtClean="0"/>
+              <a:rPr lang="en-US" altLang="ko-KR" dirty="0"/>
               <a:t>pip list </a:t>
             </a:r>
             <a:r>
-              <a:rPr lang="ko-KR" altLang="en-US" dirty="0" smtClean="0"/>
+              <a:rPr lang="ko-KR" altLang="en-US" dirty="0"/>
               <a:t>명령어 사용하여 설치된 명령어 확인하고</a:t>
             </a:r>
             <a:endParaRPr lang="en-US" altLang="ko-KR" dirty="0"/>
@@ -9778,22 +9556,21 @@
               </a:lnSpc>
             </a:pPr>
             <a:r>
-              <a:rPr lang="en-US" altLang="ko-KR" dirty="0" smtClean="0"/>
+              <a:rPr lang="en-US" altLang="ko-KR" dirty="0"/>
               <a:t>pip show &lt;</a:t>
             </a:r>
             <a:r>
-              <a:rPr lang="ko-KR" altLang="en-US" dirty="0" smtClean="0"/>
+              <a:rPr lang="ko-KR" altLang="en-US" dirty="0"/>
               <a:t>설치된 모듈</a:t>
             </a:r>
             <a:r>
-              <a:rPr lang="en-US" altLang="ko-KR" dirty="0" smtClean="0"/>
+              <a:rPr lang="en-US" altLang="ko-KR" dirty="0"/>
               <a:t>&gt; </a:t>
             </a:r>
             <a:r>
-              <a:rPr lang="ko-KR" altLang="en-US" dirty="0" smtClean="0"/>
+              <a:rPr lang="ko-KR" altLang="en-US" dirty="0"/>
               <a:t>입력하여 모듈 설치된 위치 확인</a:t>
             </a:r>
-            <a:endParaRPr lang="ko-KR" altLang="en-US" dirty="0"/>
           </a:p>
         </p:txBody>
       </p:sp>
@@ -9813,19 +9590,19 @@
           <a:lstStyle/>
           <a:p>
             <a:r>
-              <a:rPr lang="ko-KR" altLang="en-US" dirty="0" smtClean="0"/>
+              <a:rPr lang="ko-KR" altLang="en-US" dirty="0"/>
               <a:t>모듈을 분석하는 방법 </a:t>
             </a:r>
             <a:r>
-              <a:rPr lang="en-US" altLang="ko-KR" dirty="0" smtClean="0"/>
+              <a:rPr lang="en-US" altLang="ko-KR" dirty="0"/>
               <a:t>(</a:t>
             </a:r>
             <a:r>
-              <a:rPr lang="ko-KR" altLang="en-US" dirty="0" smtClean="0"/>
+              <a:rPr lang="ko-KR" altLang="en-US" dirty="0"/>
               <a:t>확인문제</a:t>
             </a:r>
             <a:r>
-              <a:rPr lang="en-US" altLang="ko-KR" dirty="0" smtClean="0"/>
+              <a:rPr lang="en-US" altLang="ko-KR" dirty="0"/>
               <a:t>)</a:t>
             </a:r>
             <a:endParaRPr lang="ko-KR" altLang="en-US" dirty="0"/>
@@ -9950,13 +9727,6 @@
   <p:clrMapOvr>
     <a:masterClrMapping/>
   </p:clrMapOvr>
-  <p:timing>
-    <p:tnLst>
-      <p:par>
-        <p:cTn id="1" dur="indefinite" restart="never" nodeType="tmRoot"/>
-      </p:par>
-    </p:tnLst>
-  </p:timing>
 </p:sld>
 </file>
 
@@ -9999,7 +9769,7 @@
               <a:buNone/>
             </a:pPr>
             <a:r>
-              <a:rPr lang="en-US" altLang="ko-KR" b="1" dirty="0" smtClean="0">
+              <a:rPr lang="en-US" altLang="ko-KR" b="1" dirty="0">
                 <a:solidFill>
                   <a:srgbClr val="FF0000"/>
                 </a:solidFill>
@@ -10007,7 +9777,7 @@
               <a:t>[</a:t>
             </a:r>
             <a:r>
-              <a:rPr lang="ko-KR" altLang="en-US" b="1" dirty="0" smtClean="0">
+              <a:rPr lang="ko-KR" altLang="en-US" b="1" dirty="0">
                 <a:solidFill>
                   <a:srgbClr val="FF0000"/>
                 </a:solidFill>
@@ -10015,7 +9785,7 @@
               <a:t>핵심 키워드</a:t>
             </a:r>
             <a:r>
-              <a:rPr lang="en-US" altLang="ko-KR" b="1" dirty="0" smtClean="0">
+              <a:rPr lang="en-US" altLang="ko-KR" b="1" dirty="0">
                 <a:solidFill>
                   <a:srgbClr val="FF0000"/>
                 </a:solidFill>
@@ -10023,26 +9793,26 @@
               <a:t>] </a:t>
             </a:r>
             <a:r>
-              <a:rPr lang="en-US" altLang="ko-KR" dirty="0" smtClean="0"/>
+              <a:rPr lang="en-US" altLang="ko-KR" dirty="0"/>
               <a:t>: </a:t>
             </a:r>
             <a:r>
-              <a:rPr lang="ko-KR" altLang="en-US" dirty="0" err="1" smtClean="0"/>
+              <a:rPr lang="ko-KR" altLang="en-US" dirty="0" err="1"/>
               <a:t>엔트리</a:t>
             </a:r>
             <a:r>
-              <a:rPr lang="ko-KR" altLang="en-US" dirty="0" smtClean="0"/>
+              <a:rPr lang="ko-KR" altLang="en-US" dirty="0"/>
               <a:t> 포인트</a:t>
             </a:r>
             <a:r>
-              <a:rPr lang="en-US" altLang="ko-KR" dirty="0" smtClean="0"/>
+              <a:rPr lang="en-US" altLang="ko-KR" dirty="0"/>
               <a:t>, __name__==“__main__”, </a:t>
             </a:r>
             <a:r>
-              <a:rPr lang="ko-KR" altLang="en-US" dirty="0" smtClean="0"/>
+              <a:rPr lang="ko-KR" altLang="en-US" dirty="0"/>
               <a:t>패키지</a:t>
             </a:r>
-            <a:endParaRPr lang="en-US" altLang="ko-KR" dirty="0" smtClean="0"/>
+            <a:endParaRPr lang="en-US" altLang="ko-KR" dirty="0"/>
           </a:p>
           <a:p>
             <a:pPr marL="0" indent="0" algn="just">
@@ -10061,7 +9831,7 @@
               <a:buNone/>
             </a:pPr>
             <a:r>
-              <a:rPr lang="en-US" altLang="ko-KR" b="1" dirty="0" smtClean="0">
+              <a:rPr lang="en-US" altLang="ko-KR" b="1" dirty="0">
                 <a:solidFill>
                   <a:srgbClr val="FF0000"/>
                 </a:solidFill>
@@ -10069,7 +9839,7 @@
               <a:t>[</a:t>
             </a:r>
             <a:r>
-              <a:rPr lang="ko-KR" altLang="en-US" b="1" dirty="0" smtClean="0">
+              <a:rPr lang="ko-KR" altLang="en-US" b="1" dirty="0">
                 <a:solidFill>
                   <a:srgbClr val="FF0000"/>
                 </a:solidFill>
@@ -10077,7 +9847,7 @@
               <a:t>핵심 포인트</a:t>
             </a:r>
             <a:r>
-              <a:rPr lang="en-US" altLang="ko-KR" b="1" dirty="0" smtClean="0">
+              <a:rPr lang="en-US" altLang="ko-KR" b="1" dirty="0">
                 <a:solidFill>
                   <a:srgbClr val="FF0000"/>
                 </a:solidFill>
@@ -10093,10 +9863,10 @@
               <a:buNone/>
             </a:pPr>
             <a:r>
-              <a:rPr lang="ko-KR" altLang="en-US" dirty="0" smtClean="0"/>
+              <a:rPr lang="ko-KR" altLang="en-US" dirty="0"/>
               <a:t>모듈을 만드는 방법을 알면 직접 모듈을 만드는 것은 물론이고 다른 사람이 만든 모듈을 분석할 수도 있다</a:t>
             </a:r>
-            <a:endParaRPr lang="en-US" altLang="ko-KR" dirty="0" smtClean="0"/>
+            <a:endParaRPr lang="en-US" altLang="ko-KR" dirty="0"/>
           </a:p>
         </p:txBody>
       </p:sp>
@@ -10116,10 +9886,9 @@
           <a:lstStyle/>
           <a:p>
             <a:r>
-              <a:rPr lang="ko-KR" altLang="en-US" dirty="0" smtClean="0"/>
+              <a:rPr lang="ko-KR" altLang="en-US" dirty="0"/>
               <a:t>시작하기 전에</a:t>
             </a:r>
-            <a:endParaRPr lang="ko-KR" altLang="en-US" dirty="0"/>
           </a:p>
         </p:txBody>
       </p:sp>
@@ -10133,13 +9902,6 @@
   <p:clrMapOvr>
     <a:masterClrMapping/>
   </p:clrMapOvr>
-  <p:timing>
-    <p:tnLst>
-      <p:par>
-        <p:cTn id="1" dur="indefinite" restart="never" nodeType="tmRoot"/>
-      </p:par>
-    </p:tnLst>
-  </p:timing>
 </p:sld>
 </file>
 
@@ -10182,18 +9944,18 @@
           <a:p>
             <a:pPr lvl="1"/>
             <a:r>
-              <a:rPr lang="ko-KR" altLang="en-US" dirty="0" smtClean="0"/>
+              <a:rPr lang="ko-KR" altLang="en-US" dirty="0"/>
               <a:t>탐색기 사용하여 </a:t>
             </a:r>
             <a:r>
-              <a:rPr lang="en-US" altLang="ko-KR" dirty="0" smtClean="0"/>
+              <a:rPr lang="en-US" altLang="ko-KR" dirty="0"/>
               <a:t>Location </a:t>
             </a:r>
             <a:r>
-              <a:rPr lang="ko-KR" altLang="en-US" dirty="0" smtClean="0"/>
+              <a:rPr lang="ko-KR" altLang="en-US" dirty="0"/>
               <a:t>폴더로 들어가 여러 모듈 설치된 것 확인</a:t>
             </a:r>
-            <a:endParaRPr lang="en-US" altLang="ko-KR" dirty="0" smtClean="0"/>
+            <a:endParaRPr lang="en-US" altLang="ko-KR" dirty="0"/>
           </a:p>
           <a:p>
             <a:pPr lvl="1"/>
@@ -10201,7 +9963,7 @@
           </a:p>
           <a:p>
             <a:pPr lvl="1"/>
-            <a:endParaRPr lang="en-US" altLang="ko-KR" dirty="0" smtClean="0"/>
+            <a:endParaRPr lang="en-US" altLang="ko-KR" dirty="0"/>
           </a:p>
           <a:p>
             <a:pPr lvl="1"/>
@@ -10209,7 +9971,7 @@
           </a:p>
           <a:p>
             <a:pPr lvl="1"/>
-            <a:endParaRPr lang="en-US" altLang="ko-KR" dirty="0" smtClean="0"/>
+            <a:endParaRPr lang="en-US" altLang="ko-KR" dirty="0"/>
           </a:p>
           <a:p>
             <a:pPr lvl="1"/>
@@ -10217,11 +9979,7 @@
           </a:p>
           <a:p>
             <a:pPr lvl="1"/>
-            <a:endParaRPr lang="en-US" altLang="ko-KR" dirty="0" smtClean="0"/>
-          </a:p>
-          <a:p>
-            <a:pPr lvl="1"/>
-            <a:endParaRPr lang="en-US" altLang="ko-KR" dirty="0" smtClean="0"/>
+            <a:endParaRPr lang="en-US" altLang="ko-KR" dirty="0"/>
           </a:p>
           <a:p>
             <a:pPr lvl="1"/>
@@ -10229,11 +9987,14 @@
           </a:p>
           <a:p>
             <a:pPr lvl="1"/>
-            <a:r>
-              <a:rPr lang="ko-KR" altLang="en-US" dirty="0" smtClean="0"/>
+            <a:endParaRPr lang="en-US" altLang="ko-KR" dirty="0"/>
+          </a:p>
+          <a:p>
+            <a:pPr lvl="1"/>
+            <a:r>
+              <a:rPr lang="ko-KR" altLang="en-US" dirty="0"/>
               <a:t>파일을 하나하나 열어보며 찬찬히 분석해보기</a:t>
             </a:r>
-            <a:endParaRPr lang="ko-KR" altLang="en-US" dirty="0"/>
           </a:p>
         </p:txBody>
       </p:sp>
@@ -10336,13 +10097,6 @@
   <p:clrMapOvr>
     <a:masterClrMapping/>
   </p:clrMapOvr>
-  <p:timing>
-    <p:tnLst>
-      <p:par>
-        <p:cTn id="1" dur="indefinite" restart="never" nodeType="tmRoot"/>
-      </p:par>
-    </p:tnLst>
-  </p:timing>
 </p:sld>
 </file>
 
@@ -10379,7 +10133,7 @@
           <a:lstStyle/>
           <a:p>
             <a:r>
-              <a:rPr lang="en-US" altLang="ko-KR" dirty="0" smtClean="0"/>
+              <a:rPr lang="en-US" altLang="ko-KR" dirty="0"/>
               <a:t>Thank You!</a:t>
             </a:r>
             <a:endParaRPr lang="ko-KR" altLang="en-US" dirty="0"/>
@@ -10396,13 +10150,6 @@
   <p:clrMapOvr>
     <a:masterClrMapping/>
   </p:clrMapOvr>
-  <p:timing>
-    <p:tnLst>
-      <p:par>
-        <p:cTn id="1" dur="indefinite" restart="never" nodeType="tmRoot"/>
-      </p:par>
-    </p:tnLst>
-  </p:timing>
 </p:sld>
 </file>
 
@@ -10439,18 +10186,17 @@
           <a:lstStyle/>
           <a:p>
             <a:r>
-              <a:rPr lang="en-US" altLang="ko-KR" dirty="0" err="1" smtClean="0"/>
+              <a:rPr lang="en-US" altLang="ko-KR" dirty="0" err="1"/>
               <a:t>module_basic</a:t>
             </a:r>
             <a:r>
-              <a:rPr lang="en-US" altLang="ko-KR" dirty="0" smtClean="0"/>
+              <a:rPr lang="en-US" altLang="ko-KR" dirty="0"/>
               <a:t> </a:t>
             </a:r>
             <a:r>
-              <a:rPr lang="ko-KR" altLang="en-US" dirty="0" smtClean="0"/>
+              <a:rPr lang="ko-KR" altLang="en-US" dirty="0"/>
               <a:t>디렉터리 만든 후 아래 두 파일 넣기</a:t>
             </a:r>
-            <a:endParaRPr lang="ko-KR" altLang="en-US" dirty="0"/>
           </a:p>
         </p:txBody>
       </p:sp>
@@ -10540,13 +10286,6 @@
   <p:clrMapOvr>
     <a:masterClrMapping/>
   </p:clrMapOvr>
-  <p:timing>
-    <p:tnLst>
-      <p:par>
-        <p:cTn id="1" dur="indefinite" restart="never" nodeType="tmRoot"/>
-      </p:par>
-    </p:tnLst>
-  </p:timing>
 </p:sld>
 </file>
 
@@ -10588,18 +10327,18 @@
               </a:lnSpc>
             </a:pPr>
             <a:r>
-              <a:rPr lang="en-US" altLang="ko-KR" dirty="0" err="1" smtClean="0"/>
+              <a:rPr lang="en-US" altLang="ko-KR" dirty="0" err="1"/>
               <a:t>module_basic</a:t>
             </a:r>
             <a:r>
-              <a:rPr lang="en-US" altLang="ko-KR" dirty="0" smtClean="0"/>
+              <a:rPr lang="en-US" altLang="ko-KR" dirty="0"/>
               <a:t> </a:t>
             </a:r>
             <a:r>
-              <a:rPr lang="ko-KR" altLang="en-US" dirty="0" smtClean="0"/>
+              <a:rPr lang="ko-KR" altLang="en-US" dirty="0"/>
               <a:t>디렉터리 만든 후 아래 두 파일 저장하고</a:t>
             </a:r>
-            <a:endParaRPr lang="en-US" altLang="ko-KR" dirty="0" smtClean="0"/>
+            <a:endParaRPr lang="en-US" altLang="ko-KR" dirty="0"/>
           </a:p>
           <a:p>
             <a:pPr marL="0" indent="0">
@@ -10609,22 +10348,21 @@
               <a:buNone/>
             </a:pPr>
             <a:r>
-              <a:rPr lang="en-US" altLang="ko-KR" dirty="0" smtClean="0"/>
+              <a:rPr lang="en-US" altLang="ko-KR" dirty="0"/>
               <a:t>    </a:t>
             </a:r>
             <a:r>
-              <a:rPr lang="en-US" altLang="ko-KR" dirty="0" err="1" smtClean="0"/>
+              <a:rPr lang="en-US" altLang="ko-KR" dirty="0" err="1"/>
               <a:t>main.py</a:t>
             </a:r>
             <a:r>
-              <a:rPr lang="en-US" altLang="ko-KR" dirty="0" smtClean="0"/>
+              <a:rPr lang="en-US" altLang="ko-KR" dirty="0"/>
               <a:t> </a:t>
             </a:r>
             <a:r>
-              <a:rPr lang="ko-KR" altLang="en-US" dirty="0" smtClean="0"/>
+              <a:rPr lang="ko-KR" altLang="en-US" dirty="0"/>
               <a:t>파일 실행</a:t>
             </a:r>
-            <a:endParaRPr lang="ko-KR" altLang="en-US" dirty="0"/>
           </a:p>
         </p:txBody>
       </p:sp>
@@ -10644,10 +10382,9 @@
           <a:lstStyle/>
           <a:p>
             <a:r>
-              <a:rPr lang="ko-KR" altLang="en-US" dirty="0" smtClean="0"/>
+              <a:rPr lang="ko-KR" altLang="en-US" dirty="0"/>
               <a:t>모듈 만들기</a:t>
             </a:r>
-            <a:endParaRPr lang="ko-KR" altLang="en-US" dirty="0"/>
           </a:p>
         </p:txBody>
       </p:sp>
@@ -10855,13 +10592,6 @@
   <p:clrMapOvr>
     <a:masterClrMapping/>
   </p:clrMapOvr>
-  <p:timing>
-    <p:tnLst>
-      <p:par>
-        <p:cTn id="1" dur="indefinite" restart="never" nodeType="tmRoot"/>
-      </p:par>
-    </p:tnLst>
-  </p:timing>
 </p:sld>
 </file>
 
@@ -10898,7 +10628,7 @@
           <a:lstStyle/>
           <a:p>
             <a:pPr lvl="1"/>
-            <a:endParaRPr lang="en-US" altLang="ko-KR" dirty="0" smtClean="0"/>
+            <a:endParaRPr lang="en-US" altLang="ko-KR" dirty="0"/>
           </a:p>
           <a:p>
             <a:pPr lvl="1"/>
@@ -10906,7 +10636,7 @@
           </a:p>
           <a:p>
             <a:pPr lvl="1"/>
-            <a:endParaRPr lang="en-US" altLang="ko-KR" dirty="0" smtClean="0"/>
+            <a:endParaRPr lang="en-US" altLang="ko-KR" dirty="0"/>
           </a:p>
           <a:p>
             <a:pPr lvl="1"/>
@@ -10914,7 +10644,7 @@
           </a:p>
           <a:p>
             <a:pPr lvl="1"/>
-            <a:endParaRPr lang="en-US" altLang="ko-KR" dirty="0" smtClean="0"/>
+            <a:endParaRPr lang="en-US" altLang="ko-KR" dirty="0"/>
           </a:p>
           <a:p>
             <a:pPr lvl="1"/>
@@ -10922,11 +10652,11 @@
           </a:p>
           <a:p>
             <a:pPr lvl="1"/>
-            <a:endParaRPr lang="en-US" altLang="ko-KR" dirty="0" smtClean="0"/>
+            <a:endParaRPr lang="en-US" altLang="ko-KR" dirty="0"/>
           </a:p>
           <a:p>
             <a:pPr lvl="1"/>
-            <a:endParaRPr lang="en-US" altLang="ko-KR" dirty="0" smtClean="0"/>
+            <a:endParaRPr lang="en-US" altLang="ko-KR" dirty="0"/>
           </a:p>
           <a:p>
             <a:pPr lvl="1">
@@ -10935,11 +10665,11 @@
               </a:lnSpc>
             </a:pPr>
             <a:r>
-              <a:rPr lang="ko-KR" altLang="en-US" dirty="0" smtClean="0"/>
+              <a:rPr lang="ko-KR" altLang="en-US" dirty="0"/>
               <a:t>패키지 </a:t>
             </a:r>
             <a:r>
-              <a:rPr lang="en-US" altLang="ko-KR" dirty="0" smtClean="0"/>
+              <a:rPr lang="en-US" altLang="ko-KR" dirty="0"/>
               <a:t>(package)</a:t>
             </a:r>
           </a:p>
@@ -10950,10 +10680,9 @@
               </a:lnSpc>
             </a:pPr>
             <a:r>
-              <a:rPr lang="ko-KR" altLang="en-US" dirty="0" smtClean="0"/>
+              <a:rPr lang="ko-KR" altLang="en-US" dirty="0"/>
               <a:t>복잡하고 구조화된 모듈 만들 때 사용하는 기능</a:t>
             </a:r>
-            <a:endParaRPr lang="ko-KR" altLang="en-US" dirty="0"/>
           </a:p>
         </p:txBody>
       </p:sp>
@@ -11043,13 +10772,6 @@
   <p:clrMapOvr>
     <a:masterClrMapping/>
   </p:clrMapOvr>
-  <p:timing>
-    <p:tnLst>
-      <p:par>
-        <p:cTn id="1" dur="indefinite" restart="never" nodeType="tmRoot"/>
-      </p:par>
-    </p:tnLst>
-  </p:timing>
 </p:sld>
 </file>
 
@@ -11234,7 +10956,7 @@
           <a:p>
             <a:pPr algn="just"/>
             <a:r>
-              <a:rPr lang="en-US" altLang="ko-KR" dirty="0" smtClean="0">
+              <a:rPr lang="en-US" altLang="ko-KR" dirty="0">
                 <a:solidFill>
                   <a:srgbClr val="C00000"/>
                 </a:solidFill>
@@ -11249,7 +10971,7 @@
               </a:lnSpc>
             </a:pPr>
             <a:r>
-              <a:rPr lang="ko-KR" altLang="en-US" dirty="0" err="1" smtClean="0">
+              <a:rPr lang="ko-KR" altLang="en-US" dirty="0" err="1">
                 <a:solidFill>
                   <a:srgbClr val="C00000"/>
                 </a:solidFill>
@@ -11257,7 +10979,7 @@
               <a:t>엔트리</a:t>
             </a:r>
             <a:r>
-              <a:rPr lang="en-US" altLang="ko-KR" dirty="0" smtClean="0">
+              <a:rPr lang="en-US" altLang="ko-KR" dirty="0">
                 <a:solidFill>
                   <a:srgbClr val="C00000"/>
                 </a:solidFill>
@@ -11265,7 +10987,7 @@
               <a:t> </a:t>
             </a:r>
             <a:r>
-              <a:rPr lang="ko-KR" altLang="en-US" dirty="0" smtClean="0">
+              <a:rPr lang="ko-KR" altLang="en-US" dirty="0">
                 <a:solidFill>
                   <a:srgbClr val="C00000"/>
                 </a:solidFill>
@@ -11273,7 +10995,7 @@
               <a:t>포인트 </a:t>
             </a:r>
             <a:r>
-              <a:rPr lang="en-US" altLang="ko-KR" dirty="0" smtClean="0">
+              <a:rPr lang="en-US" altLang="ko-KR" dirty="0">
                 <a:solidFill>
                   <a:schemeClr val="bg1">
                     <a:lumMod val="50000"/>
@@ -11283,11 +11005,11 @@
               <a:t>(entry point)</a:t>
             </a:r>
             <a:r>
-              <a:rPr lang="en-US" altLang="ko-KR" dirty="0" smtClean="0"/>
+              <a:rPr lang="en-US" altLang="ko-KR" dirty="0"/>
               <a:t> / </a:t>
             </a:r>
             <a:r>
-              <a:rPr lang="ko-KR" altLang="en-US" dirty="0" smtClean="0">
+              <a:rPr lang="ko-KR" altLang="en-US" dirty="0">
                 <a:solidFill>
                   <a:srgbClr val="C00000"/>
                 </a:solidFill>
@@ -11295,7 +11017,7 @@
               <a:t>메인 </a:t>
             </a:r>
             <a:r>
-              <a:rPr lang="en-US" altLang="ko-KR" dirty="0" smtClean="0">
+              <a:rPr lang="en-US" altLang="ko-KR" dirty="0">
                 <a:solidFill>
                   <a:schemeClr val="bg1">
                     <a:lumMod val="50000"/>
@@ -11312,14 +11034,14 @@
               </a:lnSpc>
             </a:pPr>
             <a:r>
-              <a:rPr lang="ko-KR" altLang="en-US" dirty="0" smtClean="0"/>
+              <a:rPr lang="ko-KR" altLang="en-US" dirty="0"/>
               <a:t>프로그램의 </a:t>
             </a:r>
             <a:r>
-              <a:rPr lang="ko-KR" altLang="en-US" dirty="0" err="1" smtClean="0"/>
+              <a:rPr lang="ko-KR" altLang="en-US" dirty="0" err="1"/>
               <a:t>진입점</a:t>
             </a:r>
-            <a:endParaRPr lang="en-US" altLang="ko-KR" dirty="0" smtClean="0"/>
+            <a:endParaRPr lang="en-US" altLang="ko-KR" dirty="0"/>
           </a:p>
           <a:p>
             <a:pPr lvl="2" algn="just">
@@ -11328,27 +11050,27 @@
               </a:lnSpc>
             </a:pPr>
             <a:r>
-              <a:rPr lang="ko-KR" altLang="en-US" dirty="0" smtClean="0"/>
+              <a:rPr lang="ko-KR" altLang="en-US" dirty="0"/>
               <a:t>메인</a:t>
             </a:r>
             <a:r>
-              <a:rPr lang="en-US" altLang="ko-KR" dirty="0" smtClean="0"/>
+              <a:rPr lang="en-US" altLang="ko-KR" dirty="0"/>
               <a:t> </a:t>
             </a:r>
             <a:r>
-              <a:rPr lang="ko-KR" altLang="en-US" dirty="0" smtClean="0"/>
+              <a:rPr lang="ko-KR" altLang="en-US" dirty="0"/>
               <a:t>내부에서의 </a:t>
             </a:r>
             <a:r>
-              <a:rPr lang="en-US" altLang="ko-KR" dirty="0" smtClean="0"/>
+              <a:rPr lang="en-US" altLang="ko-KR" dirty="0"/>
               <a:t>__name__</a:t>
             </a:r>
             <a:r>
-              <a:rPr lang="ko-KR" altLang="en-US" dirty="0" smtClean="0"/>
+              <a:rPr lang="ko-KR" altLang="en-US" dirty="0"/>
               <a:t>은 </a:t>
             </a:r>
             <a:r>
-              <a:rPr lang="en-US" altLang="ko-KR" dirty="0" smtClean="0"/>
+              <a:rPr lang="en-US" altLang="ko-KR" dirty="0"/>
               <a:t>“__main__”</a:t>
             </a:r>
           </a:p>
@@ -11358,11 +11080,7 @@
           </a:p>
           <a:p>
             <a:pPr lvl="2" algn="just"/>
-            <a:endParaRPr lang="en-US" altLang="ko-KR" dirty="0" smtClean="0"/>
-          </a:p>
-          <a:p>
-            <a:pPr lvl="2" algn="just"/>
-            <a:endParaRPr lang="en-US" altLang="ko-KR" dirty="0" smtClean="0"/>
+            <a:endParaRPr lang="en-US" altLang="ko-KR" dirty="0"/>
           </a:p>
           <a:p>
             <a:pPr lvl="2" algn="just"/>
@@ -11370,20 +11088,24 @@
           </a:p>
           <a:p>
             <a:pPr lvl="2" algn="just"/>
-            <a:endParaRPr lang="en-US" altLang="ko-KR" dirty="0" smtClean="0"/>
+            <a:endParaRPr lang="en-US" altLang="ko-KR" dirty="0"/>
           </a:p>
           <a:p>
             <a:pPr lvl="2" algn="just"/>
             <a:endParaRPr lang="en-US" altLang="ko-KR" dirty="0"/>
           </a:p>
           <a:p>
+            <a:pPr lvl="2" algn="just"/>
+            <a:endParaRPr lang="en-US" altLang="ko-KR" dirty="0"/>
+          </a:p>
+          <a:p>
             <a:pPr algn="just"/>
             <a:r>
-              <a:rPr lang="ko-KR" altLang="en-US" dirty="0" smtClean="0"/>
+              <a:rPr lang="ko-KR" altLang="en-US" dirty="0"/>
               <a:t>모듈의 </a:t>
             </a:r>
             <a:r>
-              <a:rPr lang="en-US" altLang="ko-KR" dirty="0" smtClean="0"/>
+              <a:rPr lang="en-US" altLang="ko-KR" dirty="0"/>
               <a:t>__name__</a:t>
             </a:r>
           </a:p>
@@ -11394,30 +11116,30 @@
               </a:lnSpc>
             </a:pPr>
             <a:r>
-              <a:rPr lang="ko-KR" altLang="en-US" dirty="0" err="1" smtClean="0"/>
+              <a:rPr lang="ko-KR" altLang="en-US" dirty="0" err="1"/>
               <a:t>엔트리</a:t>
             </a:r>
             <a:r>
-              <a:rPr lang="ko-KR" altLang="en-US" dirty="0" smtClean="0"/>
+              <a:rPr lang="ko-KR" altLang="en-US" dirty="0"/>
               <a:t> 포인트 아니지만 </a:t>
             </a:r>
             <a:r>
-              <a:rPr lang="ko-KR" altLang="en-US" dirty="0" err="1" smtClean="0"/>
+              <a:rPr lang="ko-KR" altLang="en-US" dirty="0" err="1"/>
               <a:t>엔트리</a:t>
             </a:r>
             <a:r>
-              <a:rPr lang="ko-KR" altLang="en-US" dirty="0" smtClean="0"/>
+              <a:rPr lang="ko-KR" altLang="en-US" dirty="0"/>
               <a:t> 포인트 파일 내에서 </a:t>
             </a:r>
             <a:r>
-              <a:rPr lang="en-US" altLang="ko-KR" dirty="0" smtClean="0"/>
+              <a:rPr lang="en-US" altLang="ko-KR" dirty="0"/>
               <a:t>import </a:t>
             </a:r>
             <a:r>
-              <a:rPr lang="ko-KR" altLang="en-US" dirty="0" smtClean="0"/>
+              <a:rPr lang="ko-KR" altLang="en-US" dirty="0"/>
               <a:t>되었기 때문에 모듈 내 코드가 실행</a:t>
             </a:r>
-            <a:endParaRPr lang="en-US" altLang="ko-KR" dirty="0" smtClean="0"/>
+            <a:endParaRPr lang="en-US" altLang="ko-KR" dirty="0"/>
           </a:p>
           <a:p>
             <a:pPr lvl="1" algn="just">
@@ -11426,26 +11148,25 @@
               </a:lnSpc>
             </a:pPr>
             <a:r>
-              <a:rPr lang="ko-KR" altLang="en-US" dirty="0" smtClean="0"/>
+              <a:rPr lang="ko-KR" altLang="en-US" dirty="0"/>
               <a:t>모듈</a:t>
             </a:r>
             <a:r>
-              <a:rPr lang="en-US" altLang="ko-KR" dirty="0" smtClean="0"/>
+              <a:rPr lang="en-US" altLang="ko-KR" dirty="0"/>
               <a:t> </a:t>
             </a:r>
             <a:r>
-              <a:rPr lang="ko-KR" altLang="en-US" dirty="0" smtClean="0"/>
+              <a:rPr lang="ko-KR" altLang="en-US" dirty="0"/>
               <a:t>내부에서 </a:t>
             </a:r>
             <a:r>
-              <a:rPr lang="en-US" altLang="ko-KR" dirty="0" smtClean="0"/>
+              <a:rPr lang="en-US" altLang="ko-KR" dirty="0"/>
               <a:t>__name__ </a:t>
             </a:r>
             <a:r>
-              <a:rPr lang="ko-KR" altLang="en-US" dirty="0" smtClean="0"/>
+              <a:rPr lang="ko-KR" altLang="en-US" dirty="0"/>
               <a:t>출력하면 모듈의 이름 나타냄</a:t>
             </a:r>
-            <a:endParaRPr lang="ko-KR" altLang="en-US" dirty="0"/>
           </a:p>
         </p:txBody>
       </p:sp>
@@ -11465,7 +11186,7 @@
           <a:lstStyle/>
           <a:p>
             <a:r>
-              <a:rPr lang="en-US" altLang="ko-KR" dirty="0" smtClean="0"/>
+              <a:rPr lang="en-US" altLang="ko-KR" dirty="0"/>
               <a:t>__name__==“__main__”</a:t>
             </a:r>
             <a:endParaRPr lang="ko-KR" altLang="en-US" dirty="0"/>
@@ -11536,13 +11257,6 @@
   <p:clrMapOvr>
     <a:masterClrMapping/>
   </p:clrMapOvr>
-  <p:timing>
-    <p:tnLst>
-      <p:par>
-        <p:cTn id="1" dur="indefinite" restart="never" nodeType="tmRoot"/>
-      </p:par>
-    </p:tnLst>
-  </p:timing>
 </p:sld>
 </file>
 
@@ -11580,18 +11294,17 @@
           <a:p>
             <a:pPr lvl="1"/>
             <a:r>
-              <a:rPr lang="ko-KR" altLang="en-US" dirty="0" smtClean="0"/>
+              <a:rPr lang="ko-KR" altLang="en-US" dirty="0"/>
               <a:t>예시 </a:t>
             </a:r>
             <a:r>
-              <a:rPr lang="en-US" altLang="ko-KR" dirty="0" smtClean="0"/>
+              <a:rPr lang="en-US" altLang="ko-KR" dirty="0"/>
               <a:t>– </a:t>
             </a:r>
             <a:r>
-              <a:rPr lang="ko-KR" altLang="en-US" dirty="0" smtClean="0"/>
+              <a:rPr lang="ko-KR" altLang="en-US" dirty="0"/>
               <a:t>모듈 이름을 출력하는 모듈 만들기</a:t>
             </a:r>
-            <a:endParaRPr lang="ko-KR" altLang="en-US" dirty="0"/>
           </a:p>
         </p:txBody>
       </p:sp>
@@ -11930,13 +11643,6 @@
   <p:clrMapOvr>
     <a:masterClrMapping/>
   </p:clrMapOvr>
-  <p:timing>
-    <p:tnLst>
-      <p:par>
-        <p:cTn id="1" dur="indefinite" restart="never" nodeType="tmRoot"/>
-      </p:par>
-    </p:tnLst>
-  </p:timing>
 </p:sld>
 </file>
 
@@ -12046,13 +11752,6 @@
   <p:clrMapOvr>
     <a:masterClrMapping/>
   </p:clrMapOvr>
-  <p:timing>
-    <p:tnLst>
-      <p:par>
-        <p:cTn id="1" dur="indefinite" restart="never" nodeType="tmRoot"/>
-      </p:par>
-    </p:tnLst>
-  </p:timing>
 </p:sld>
 </file>
 
